--- a/组会3.24GNN.pptx
+++ b/组会3.24GNN.pptx
@@ -228,7 +228,7 @@
           <a:p>
             <a:fld id="{5F273A26-202E-431B-AD76-A5F023416F0D}" type="datetimeFigureOut">
               <a:rPr lang="zh-CN" altLang="en-US" smtClean="0"/>
-              <a:t>2022/3/22</a:t>
+              <a:t>2022/3/23</a:t>
             </a:fld>
             <a:endParaRPr lang="zh-CN" altLang="en-US"/>
           </a:p>
@@ -1437,7 +1437,7 @@
           <a:p>
             <a:fld id="{D2DA14B7-EFA4-4552-9A35-108FC461037B}" type="datetime1">
               <a:rPr lang="zh-CN" altLang="en-US" smtClean="0"/>
-              <a:t>2022/3/22</a:t>
+              <a:t>2022/3/23</a:t>
             </a:fld>
             <a:endParaRPr lang="zh-CN" altLang="en-US"/>
           </a:p>
@@ -1609,7 +1609,7 @@
           <a:p>
             <a:fld id="{7B2AF473-7D85-46E5-818E-5B009CB9D0E2}" type="datetime1">
               <a:rPr lang="zh-CN" altLang="en-US" smtClean="0"/>
-              <a:t>2022/3/22</a:t>
+              <a:t>2022/3/23</a:t>
             </a:fld>
             <a:endParaRPr lang="zh-CN" altLang="en-US"/>
           </a:p>
@@ -1784,7 +1784,7 @@
           <a:p>
             <a:fld id="{3C4D3159-4E25-4F06-B17A-E551EA2A014F}" type="datetime1">
               <a:rPr lang="zh-CN" altLang="en-US" smtClean="0"/>
-              <a:t>2022/3/22</a:t>
+              <a:t>2022/3/23</a:t>
             </a:fld>
             <a:endParaRPr lang="zh-CN" altLang="en-US"/>
           </a:p>
@@ -2002,7 +2002,7 @@
           <a:p>
             <a:fld id="{25ED9F82-50BF-416A-84C5-BEBB50BB99AF}" type="datetime1">
               <a:rPr lang="zh-CN" altLang="en-US" smtClean="0"/>
-              <a:t>2022/3/22</a:t>
+              <a:t>2022/3/23</a:t>
             </a:fld>
             <a:endParaRPr lang="zh-CN" altLang="en-US"/>
           </a:p>
@@ -2385,7 +2385,7 @@
           <a:p>
             <a:fld id="{FE43C476-6102-4371-9CDB-C438C8C363FD}" type="datetime1">
               <a:rPr lang="zh-CN" altLang="en-US" smtClean="0"/>
-              <a:t>2022/3/22</a:t>
+              <a:t>2022/3/23</a:t>
             </a:fld>
             <a:endParaRPr lang="zh-CN" altLang="en-US"/>
           </a:p>
@@ -2619,7 +2619,7 @@
           <a:p>
             <a:fld id="{4F38462B-42B2-454F-A088-DB5E8117633F}" type="datetime1">
               <a:rPr lang="zh-CN" altLang="en-US" smtClean="0"/>
-              <a:t>2022/3/22</a:t>
+              <a:t>2022/3/23</a:t>
             </a:fld>
             <a:endParaRPr lang="zh-CN" altLang="en-US"/>
           </a:p>
@@ -2988,7 +2988,7 @@
           <a:p>
             <a:fld id="{189FC360-3D03-4AEF-8660-10EB205FCE15}" type="datetime1">
               <a:rPr lang="zh-CN" altLang="en-US" smtClean="0"/>
-              <a:t>2022/3/22</a:t>
+              <a:t>2022/3/23</a:t>
             </a:fld>
             <a:endParaRPr lang="zh-CN" altLang="en-US"/>
           </a:p>
@@ -3101,7 +3101,7 @@
           <a:p>
             <a:fld id="{858C2E6C-0097-4171-A137-E6260F915C38}" type="datetime1">
               <a:rPr lang="zh-CN" altLang="en-US" smtClean="0"/>
-              <a:t>2022/3/22</a:t>
+              <a:t>2022/3/23</a:t>
             </a:fld>
             <a:endParaRPr lang="zh-CN" altLang="en-US"/>
           </a:p>
@@ -3191,7 +3191,7 @@
           <a:p>
             <a:fld id="{7AFE4A2B-517A-41F3-86E1-CC0FE98B087F}" type="datetime1">
               <a:rPr lang="zh-CN" altLang="en-US" smtClean="0"/>
-              <a:t>2022/3/22</a:t>
+              <a:t>2022/3/23</a:t>
             </a:fld>
             <a:endParaRPr lang="zh-CN" altLang="en-US"/>
           </a:p>
@@ -3463,7 +3463,7 @@
           <a:p>
             <a:fld id="{6BC4A481-D110-4405-8D29-7F4C8B8C5605}" type="datetime1">
               <a:rPr lang="zh-CN" altLang="en-US" smtClean="0"/>
-              <a:t>2022/3/22</a:t>
+              <a:t>2022/3/23</a:t>
             </a:fld>
             <a:endParaRPr lang="zh-CN" altLang="en-US"/>
           </a:p>
@@ -3711,7 +3711,7 @@
           <a:p>
             <a:fld id="{DE264D7F-A3B6-4CE8-9A1A-A86D617CC5CF}" type="datetime1">
               <a:rPr lang="zh-CN" altLang="en-US" smtClean="0"/>
-              <a:t>2022/3/22</a:t>
+              <a:t>2022/3/23</a:t>
             </a:fld>
             <a:endParaRPr lang="zh-CN" altLang="en-US"/>
           </a:p>
@@ -3919,7 +3919,7 @@
           <a:p>
             <a:fld id="{C399469A-CC65-4820-8272-D84B923EF7A4}" type="datetime1">
               <a:rPr lang="zh-CN" altLang="en-US" smtClean="0"/>
-              <a:t>2022/3/22</a:t>
+              <a:t>2022/3/23</a:t>
             </a:fld>
             <a:endParaRPr lang="zh-CN" altLang="en-US"/>
           </a:p>
@@ -4488,14 +4488,14 @@
                 <a:gridCol w="2518189">
                   <a:extLst>
                     <a:ext uri="{9D8B030D-6E8A-4147-A177-3AD203B41FA5}">
-                      <a16:colId xmlns:a16="http://schemas.microsoft.com/office/drawing/2014/main" xmlns="" val="20000"/>
+                      <a16:colId xmlns="" xmlns:a16="http://schemas.microsoft.com/office/drawing/2014/main" val="20000"/>
                     </a:ext>
                   </a:extLst>
                 </a:gridCol>
                 <a:gridCol w="5972258">
                   <a:extLst>
                     <a:ext uri="{9D8B030D-6E8A-4147-A177-3AD203B41FA5}">
-                      <a16:colId xmlns:a16="http://schemas.microsoft.com/office/drawing/2014/main" xmlns="" val="20001"/>
+                      <a16:colId xmlns="" xmlns:a16="http://schemas.microsoft.com/office/drawing/2014/main" val="20001"/>
                     </a:ext>
                   </a:extLst>
                 </a:gridCol>
@@ -4642,7 +4642,7 @@
                 </a:tc>
                 <a:extLst>
                   <a:ext uri="{0D108BD9-81ED-4DB2-BD59-A6C34878D82A}">
-                    <a16:rowId xmlns:a16="http://schemas.microsoft.com/office/drawing/2014/main" xmlns="" val="10000"/>
+                    <a16:rowId xmlns="" xmlns:a16="http://schemas.microsoft.com/office/drawing/2014/main" val="10000"/>
                   </a:ext>
                 </a:extLst>
               </a:tr>
@@ -4778,7 +4778,7 @@
                 </a:tc>
                 <a:extLst>
                   <a:ext uri="{0D108BD9-81ED-4DB2-BD59-A6C34878D82A}">
-                    <a16:rowId xmlns:a16="http://schemas.microsoft.com/office/drawing/2014/main" xmlns="" val="10001"/>
+                    <a16:rowId xmlns="" xmlns:a16="http://schemas.microsoft.com/office/drawing/2014/main" val="10001"/>
                   </a:ext>
                 </a:extLst>
               </a:tr>
@@ -4921,7 +4921,7 @@
                 </a:tc>
                 <a:extLst>
                   <a:ext uri="{0D108BD9-81ED-4DB2-BD59-A6C34878D82A}">
-                    <a16:rowId xmlns:a16="http://schemas.microsoft.com/office/drawing/2014/main" xmlns="" val="10002"/>
+                    <a16:rowId xmlns="" xmlns:a16="http://schemas.microsoft.com/office/drawing/2014/main" val="10002"/>
                   </a:ext>
                 </a:extLst>
               </a:tr>
@@ -5048,7 +5048,7 @@
                 </a:tc>
                 <a:extLst>
                   <a:ext uri="{0D108BD9-81ED-4DB2-BD59-A6C34878D82A}">
-                    <a16:rowId xmlns:a16="http://schemas.microsoft.com/office/drawing/2014/main" xmlns="" val="10003"/>
+                    <a16:rowId xmlns="" xmlns:a16="http://schemas.microsoft.com/office/drawing/2014/main" val="10003"/>
                   </a:ext>
                 </a:extLst>
               </a:tr>
@@ -6203,7 +6203,7 @@
           <a:blip r:embed="rId4">
             <a:extLst>
               <a:ext uri="{96DAC541-7B7A-43D3-8B79-37D633B846F1}">
-                <asvg:svgBlip xmlns="" xmlns:asvg="http://schemas.microsoft.com/office/drawing/2016/SVG/main" r:embed="rId5"/>
+                <asvg:svgBlip xmlns:asvg="http://schemas.microsoft.com/office/drawing/2016/SVG/main" xmlns="" r:embed="rId5"/>
               </a:ext>
             </a:extLst>
           </a:blip>
@@ -6233,7 +6233,7 @@
           <a:blip r:embed="rId4">
             <a:extLst>
               <a:ext uri="{96DAC541-7B7A-43D3-8B79-37D633B846F1}">
-                <asvg:svgBlip xmlns="" xmlns:asvg="http://schemas.microsoft.com/office/drawing/2016/SVG/main" r:embed="rId5"/>
+                <asvg:svgBlip xmlns:asvg="http://schemas.microsoft.com/office/drawing/2016/SVG/main" xmlns="" r:embed="rId5"/>
               </a:ext>
             </a:extLst>
           </a:blip>
@@ -7553,7 +7553,7 @@
           <a:blip r:embed="rId4">
             <a:extLst>
               <a:ext uri="{96DAC541-7B7A-43D3-8B79-37D633B846F1}">
-                <asvg:svgBlip xmlns="" xmlns:asvg="http://schemas.microsoft.com/office/drawing/2016/SVG/main" r:embed="rId5"/>
+                <asvg:svgBlip xmlns:asvg="http://schemas.microsoft.com/office/drawing/2016/SVG/main" xmlns="" r:embed="rId5"/>
               </a:ext>
             </a:extLst>
           </a:blip>
@@ -7583,7 +7583,7 @@
           <a:blip r:embed="rId4">
             <a:extLst>
               <a:ext uri="{96DAC541-7B7A-43D3-8B79-37D633B846F1}">
-                <asvg:svgBlip xmlns="" xmlns:asvg="http://schemas.microsoft.com/office/drawing/2016/SVG/main" r:embed="rId5"/>
+                <asvg:svgBlip xmlns:asvg="http://schemas.microsoft.com/office/drawing/2016/SVG/main" xmlns="" r:embed="rId5"/>
               </a:ext>
             </a:extLst>
           </a:blip>
@@ -7613,7 +7613,7 @@
           <a:blip r:embed="rId4">
             <a:extLst>
               <a:ext uri="{96DAC541-7B7A-43D3-8B79-37D633B846F1}">
-                <asvg:svgBlip xmlns="" xmlns:asvg="http://schemas.microsoft.com/office/drawing/2016/SVG/main" r:embed="rId5"/>
+                <asvg:svgBlip xmlns:asvg="http://schemas.microsoft.com/office/drawing/2016/SVG/main" xmlns="" r:embed="rId5"/>
               </a:ext>
             </a:extLst>
           </a:blip>
@@ -7636,7 +7636,7 @@
           <p:cNvPr id="13" name="矩形 12">
             <a:extLst>
               <a:ext uri="{FF2B5EF4-FFF2-40B4-BE49-F238E27FC236}">
-                <a16:creationId xmlns:a16="http://schemas.microsoft.com/office/drawing/2014/main" xmlns="" id="{FE6CE1C5-47F9-4C6E-AD3F-D63883C9C6D1}"/>
+                <a16:creationId xmlns="" xmlns:a16="http://schemas.microsoft.com/office/drawing/2014/main" id="{FE6CE1C5-47F9-4C6E-AD3F-D63883C9C6D1}"/>
               </a:ext>
             </a:extLst>
           </p:cNvPr>
@@ -7680,7 +7680,7 @@
           <p:cNvPr id="14" name="椭圆 13">
             <a:extLst>
               <a:ext uri="{FF2B5EF4-FFF2-40B4-BE49-F238E27FC236}">
-                <a16:creationId xmlns:a16="http://schemas.microsoft.com/office/drawing/2014/main" xmlns="" id="{E7603584-2625-48C8-8AE6-25BBFB217C07}"/>
+                <a16:creationId xmlns="" xmlns:a16="http://schemas.microsoft.com/office/drawing/2014/main" id="{E7603584-2625-48C8-8AE6-25BBFB217C07}"/>
               </a:ext>
             </a:extLst>
           </p:cNvPr>
@@ -7739,7 +7739,7 @@
           <p:cNvPr id="15" name="矩形 14">
             <a:extLst>
               <a:ext uri="{FF2B5EF4-FFF2-40B4-BE49-F238E27FC236}">
-                <a16:creationId xmlns:a16="http://schemas.microsoft.com/office/drawing/2014/main" xmlns="" id="{FE6CE1C5-47F9-4C6E-AD3F-D63883C9C6D1}"/>
+                <a16:creationId xmlns="" xmlns:a16="http://schemas.microsoft.com/office/drawing/2014/main" id="{FE6CE1C5-47F9-4C6E-AD3F-D63883C9C6D1}"/>
               </a:ext>
             </a:extLst>
           </p:cNvPr>
@@ -7784,7 +7784,7 @@
           <p:cNvPr id="16" name="椭圆 15">
             <a:extLst>
               <a:ext uri="{FF2B5EF4-FFF2-40B4-BE49-F238E27FC236}">
-                <a16:creationId xmlns:a16="http://schemas.microsoft.com/office/drawing/2014/main" xmlns="" id="{E7603584-2625-48C8-8AE6-25BBFB217C07}"/>
+                <a16:creationId xmlns="" xmlns:a16="http://schemas.microsoft.com/office/drawing/2014/main" id="{E7603584-2625-48C8-8AE6-25BBFB217C07}"/>
               </a:ext>
             </a:extLst>
           </p:cNvPr>
@@ -7843,7 +7843,7 @@
           <p:cNvPr id="17" name="椭圆 16">
             <a:extLst>
               <a:ext uri="{FF2B5EF4-FFF2-40B4-BE49-F238E27FC236}">
-                <a16:creationId xmlns:a16="http://schemas.microsoft.com/office/drawing/2014/main" xmlns="" id="{E7603584-2625-48C8-8AE6-25BBFB217C07}"/>
+                <a16:creationId xmlns="" xmlns:a16="http://schemas.microsoft.com/office/drawing/2014/main" id="{E7603584-2625-48C8-8AE6-25BBFB217C07}"/>
               </a:ext>
             </a:extLst>
           </p:cNvPr>
@@ -7902,7 +7902,7 @@
           <p:cNvPr id="18" name="矩形 17">
             <a:extLst>
               <a:ext uri="{FF2B5EF4-FFF2-40B4-BE49-F238E27FC236}">
-                <a16:creationId xmlns:a16="http://schemas.microsoft.com/office/drawing/2014/main" xmlns="" id="{FE6CE1C5-47F9-4C6E-AD3F-D63883C9C6D1}"/>
+                <a16:creationId xmlns="" xmlns:a16="http://schemas.microsoft.com/office/drawing/2014/main" id="{FE6CE1C5-47F9-4C6E-AD3F-D63883C9C6D1}"/>
               </a:ext>
             </a:extLst>
           </p:cNvPr>
@@ -7952,7 +7952,7 @@
           <p:cNvPr id="19" name="矩形 18">
             <a:extLst>
               <a:ext uri="{FF2B5EF4-FFF2-40B4-BE49-F238E27FC236}">
-                <a16:creationId xmlns:a16="http://schemas.microsoft.com/office/drawing/2014/main" xmlns="" id="{FE6CE1C5-47F9-4C6E-AD3F-D63883C9C6D1}"/>
+                <a16:creationId xmlns="" xmlns:a16="http://schemas.microsoft.com/office/drawing/2014/main" id="{FE6CE1C5-47F9-4C6E-AD3F-D63883C9C6D1}"/>
               </a:ext>
             </a:extLst>
           </p:cNvPr>
@@ -8002,7 +8002,7 @@
           <p:cNvPr id="20" name="矩形 19">
             <a:extLst>
               <a:ext uri="{FF2B5EF4-FFF2-40B4-BE49-F238E27FC236}">
-                <a16:creationId xmlns:a16="http://schemas.microsoft.com/office/drawing/2014/main" xmlns="" id="{FE6CE1C5-47F9-4C6E-AD3F-D63883C9C6D1}"/>
+                <a16:creationId xmlns="" xmlns:a16="http://schemas.microsoft.com/office/drawing/2014/main" id="{FE6CE1C5-47F9-4C6E-AD3F-D63883C9C6D1}"/>
               </a:ext>
             </a:extLst>
           </p:cNvPr>
@@ -8046,7 +8046,7 @@
           <p:cNvPr id="21" name="椭圆 20">
             <a:extLst>
               <a:ext uri="{FF2B5EF4-FFF2-40B4-BE49-F238E27FC236}">
-                <a16:creationId xmlns:a16="http://schemas.microsoft.com/office/drawing/2014/main" xmlns="" id="{E7603584-2625-48C8-8AE6-25BBFB217C07}"/>
+                <a16:creationId xmlns="" xmlns:a16="http://schemas.microsoft.com/office/drawing/2014/main" id="{E7603584-2625-48C8-8AE6-25BBFB217C07}"/>
               </a:ext>
             </a:extLst>
           </p:cNvPr>
@@ -8105,7 +8105,7 @@
           <p:cNvPr id="22" name="椭圆 21">
             <a:extLst>
               <a:ext uri="{FF2B5EF4-FFF2-40B4-BE49-F238E27FC236}">
-                <a16:creationId xmlns:a16="http://schemas.microsoft.com/office/drawing/2014/main" xmlns="" id="{E7603584-2625-48C8-8AE6-25BBFB217C07}"/>
+                <a16:creationId xmlns="" xmlns:a16="http://schemas.microsoft.com/office/drawing/2014/main" id="{E7603584-2625-48C8-8AE6-25BBFB217C07}"/>
               </a:ext>
             </a:extLst>
           </p:cNvPr>
@@ -8164,7 +8164,7 @@
           <p:cNvPr id="23" name="椭圆 22">
             <a:extLst>
               <a:ext uri="{FF2B5EF4-FFF2-40B4-BE49-F238E27FC236}">
-                <a16:creationId xmlns:a16="http://schemas.microsoft.com/office/drawing/2014/main" xmlns="" id="{E7603584-2625-48C8-8AE6-25BBFB217C07}"/>
+                <a16:creationId xmlns="" xmlns:a16="http://schemas.microsoft.com/office/drawing/2014/main" id="{E7603584-2625-48C8-8AE6-25BBFB217C07}"/>
               </a:ext>
             </a:extLst>
           </p:cNvPr>
@@ -8223,7 +8223,7 @@
           <p:cNvPr id="24" name="矩形 23">
             <a:extLst>
               <a:ext uri="{FF2B5EF4-FFF2-40B4-BE49-F238E27FC236}">
-                <a16:creationId xmlns:a16="http://schemas.microsoft.com/office/drawing/2014/main" xmlns="" id="{FE6CE1C5-47F9-4C6E-AD3F-D63883C9C6D1}"/>
+                <a16:creationId xmlns="" xmlns:a16="http://schemas.microsoft.com/office/drawing/2014/main" id="{FE6CE1C5-47F9-4C6E-AD3F-D63883C9C6D1}"/>
               </a:ext>
             </a:extLst>
           </p:cNvPr>
@@ -8276,7 +8276,7 @@
           <p:cNvPr id="25" name="矩形 24">
             <a:extLst>
               <a:ext uri="{FF2B5EF4-FFF2-40B4-BE49-F238E27FC236}">
-                <a16:creationId xmlns:a16="http://schemas.microsoft.com/office/drawing/2014/main" xmlns="" id="{FE6CE1C5-47F9-4C6E-AD3F-D63883C9C6D1}"/>
+                <a16:creationId xmlns="" xmlns:a16="http://schemas.microsoft.com/office/drawing/2014/main" id="{FE6CE1C5-47F9-4C6E-AD3F-D63883C9C6D1}"/>
               </a:ext>
             </a:extLst>
           </p:cNvPr>
@@ -8329,7 +8329,7 @@
           <p:cNvPr id="26" name="矩形 25">
             <a:extLst>
               <a:ext uri="{FF2B5EF4-FFF2-40B4-BE49-F238E27FC236}">
-                <a16:creationId xmlns:a16="http://schemas.microsoft.com/office/drawing/2014/main" xmlns="" id="{FE6CE1C5-47F9-4C6E-AD3F-D63883C9C6D1}"/>
+                <a16:creationId xmlns="" xmlns:a16="http://schemas.microsoft.com/office/drawing/2014/main" id="{FE6CE1C5-47F9-4C6E-AD3F-D63883C9C6D1}"/>
               </a:ext>
             </a:extLst>
           </p:cNvPr>
@@ -8382,7 +8382,7 @@
           <p:cNvPr id="27" name="矩形 26">
             <a:extLst>
               <a:ext uri="{FF2B5EF4-FFF2-40B4-BE49-F238E27FC236}">
-                <a16:creationId xmlns:a16="http://schemas.microsoft.com/office/drawing/2014/main" xmlns="" id="{FE6CE1C5-47F9-4C6E-AD3F-D63883C9C6D1}"/>
+                <a16:creationId xmlns="" xmlns:a16="http://schemas.microsoft.com/office/drawing/2014/main" id="{FE6CE1C5-47F9-4C6E-AD3F-D63883C9C6D1}"/>
               </a:ext>
             </a:extLst>
           </p:cNvPr>
@@ -8830,7 +8830,7 @@
           <p:cNvPr id="39" name="矩形 38">
             <a:extLst>
               <a:ext uri="{FF2B5EF4-FFF2-40B4-BE49-F238E27FC236}">
-                <a16:creationId xmlns:a16="http://schemas.microsoft.com/office/drawing/2014/main" xmlns="" id="{FE6CE1C5-47F9-4C6E-AD3F-D63883C9C6D1}"/>
+                <a16:creationId xmlns="" xmlns:a16="http://schemas.microsoft.com/office/drawing/2014/main" id="{FE6CE1C5-47F9-4C6E-AD3F-D63883C9C6D1}"/>
               </a:ext>
             </a:extLst>
           </p:cNvPr>
@@ -8883,7 +8883,7 @@
           <p:cNvPr id="40" name="矩形 39">
             <a:extLst>
               <a:ext uri="{FF2B5EF4-FFF2-40B4-BE49-F238E27FC236}">
-                <a16:creationId xmlns:a16="http://schemas.microsoft.com/office/drawing/2014/main" xmlns="" id="{FE6CE1C5-47F9-4C6E-AD3F-D63883C9C6D1}"/>
+                <a16:creationId xmlns="" xmlns:a16="http://schemas.microsoft.com/office/drawing/2014/main" id="{FE6CE1C5-47F9-4C6E-AD3F-D63883C9C6D1}"/>
               </a:ext>
             </a:extLst>
           </p:cNvPr>
@@ -9088,7 +9088,7 @@
           <p:cNvPr id="45" name="矩形 44">
             <a:extLst>
               <a:ext uri="{FF2B5EF4-FFF2-40B4-BE49-F238E27FC236}">
-                <a16:creationId xmlns:a16="http://schemas.microsoft.com/office/drawing/2014/main" xmlns="" id="{FE6CE1C5-47F9-4C6E-AD3F-D63883C9C6D1}"/>
+                <a16:creationId xmlns="" xmlns:a16="http://schemas.microsoft.com/office/drawing/2014/main" id="{FE6CE1C5-47F9-4C6E-AD3F-D63883C9C6D1}"/>
               </a:ext>
             </a:extLst>
           </p:cNvPr>
@@ -9141,7 +9141,7 @@
           <p:cNvPr id="46" name="矩形 45">
             <a:extLst>
               <a:ext uri="{FF2B5EF4-FFF2-40B4-BE49-F238E27FC236}">
-                <a16:creationId xmlns:a16="http://schemas.microsoft.com/office/drawing/2014/main" xmlns="" id="{FE6CE1C5-47F9-4C6E-AD3F-D63883C9C6D1}"/>
+                <a16:creationId xmlns="" xmlns:a16="http://schemas.microsoft.com/office/drawing/2014/main" id="{FE6CE1C5-47F9-4C6E-AD3F-D63883C9C6D1}"/>
               </a:ext>
             </a:extLst>
           </p:cNvPr>
@@ -11168,7 +11168,7 @@
           <a:blip r:embed="rId4">
             <a:extLst>
               <a:ext uri="{96DAC541-7B7A-43D3-8B79-37D633B846F1}">
-                <asvg:svgBlip xmlns="" xmlns:asvg="http://schemas.microsoft.com/office/drawing/2016/SVG/main" r:embed="rId5"/>
+                <asvg:svgBlip xmlns:asvg="http://schemas.microsoft.com/office/drawing/2016/SVG/main" xmlns="" r:embed="rId5"/>
               </a:ext>
             </a:extLst>
           </a:blip>
@@ -11198,7 +11198,7 @@
           <a:blip r:embed="rId4">
             <a:extLst>
               <a:ext uri="{96DAC541-7B7A-43D3-8B79-37D633B846F1}">
-                <asvg:svgBlip xmlns="" xmlns:asvg="http://schemas.microsoft.com/office/drawing/2016/SVG/main" r:embed="rId5"/>
+                <asvg:svgBlip xmlns:asvg="http://schemas.microsoft.com/office/drawing/2016/SVG/main" xmlns="" r:embed="rId5"/>
               </a:ext>
             </a:extLst>
           </a:blip>
@@ -11228,7 +11228,7 @@
           <a:blip r:embed="rId4">
             <a:extLst>
               <a:ext uri="{96DAC541-7B7A-43D3-8B79-37D633B846F1}">
-                <asvg:svgBlip xmlns="" xmlns:asvg="http://schemas.microsoft.com/office/drawing/2016/SVG/main" r:embed="rId5"/>
+                <asvg:svgBlip xmlns:asvg="http://schemas.microsoft.com/office/drawing/2016/SVG/main" xmlns="" r:embed="rId5"/>
               </a:ext>
             </a:extLst>
           </a:blip>
@@ -11763,7 +11763,7 @@
           <a:blip r:embed="rId4">
             <a:extLst>
               <a:ext uri="{96DAC541-7B7A-43D3-8B79-37D633B846F1}">
-                <asvg:svgBlip xmlns="" xmlns:asvg="http://schemas.microsoft.com/office/drawing/2016/SVG/main" r:embed="rId5"/>
+                <asvg:svgBlip xmlns:asvg="http://schemas.microsoft.com/office/drawing/2016/SVG/main" xmlns="" r:embed="rId5"/>
               </a:ext>
             </a:extLst>
           </a:blip>
@@ -11793,7 +11793,7 @@
           <a:blip r:embed="rId4">
             <a:extLst>
               <a:ext uri="{96DAC541-7B7A-43D3-8B79-37D633B846F1}">
-                <asvg:svgBlip xmlns="" xmlns:asvg="http://schemas.microsoft.com/office/drawing/2016/SVG/main" r:embed="rId5"/>
+                <asvg:svgBlip xmlns:asvg="http://schemas.microsoft.com/office/drawing/2016/SVG/main" xmlns="" r:embed="rId5"/>
               </a:ext>
             </a:extLst>
           </a:blip>
@@ -12305,7 +12305,7 @@
           <a:blip r:embed="rId3">
             <a:extLst>
               <a:ext uri="{96DAC541-7B7A-43D3-8B79-37D633B846F1}">
-                <asvg:svgBlip xmlns="" xmlns:asvg="http://schemas.microsoft.com/office/drawing/2016/SVG/main" r:embed="rId5"/>
+                <asvg:svgBlip xmlns:asvg="http://schemas.microsoft.com/office/drawing/2016/SVG/main" xmlns="" r:embed="rId5"/>
               </a:ext>
             </a:extLst>
           </a:blip>
@@ -12539,13 +12539,7 @@
               <a:rPr lang="en-US" altLang="zh-CN" sz="2200" i="1" dirty="0" smtClean="0">
                 <a:latin typeface="Cambria Math" panose="02040503050406030204" pitchFamily="18" charset="0"/>
               </a:rPr>
-              <a:t>Energy</a:t>
-            </a:r>
-            <a:r>
-              <a:rPr lang="en-US" altLang="zh-CN" sz="2200" i="1" dirty="0" smtClean="0">
-                <a:latin typeface="Cambria Math" panose="02040503050406030204" pitchFamily="18" charset="0"/>
-              </a:rPr>
-              <a:t>: </a:t>
+              <a:t>Energy: </a:t>
             </a:r>
           </a:p>
           <a:p>
@@ -12563,13 +12557,7 @@
               <a:rPr lang="en-US" altLang="zh-CN" sz="2200" i="1" smtClean="0">
                 <a:latin typeface="Cambria Math" panose="02040503050406030204" pitchFamily="18" charset="0"/>
               </a:rPr>
-              <a:t>(/cycle)</a:t>
-            </a:r>
-            <a:r>
-              <a:rPr lang="en-US" altLang="zh-CN" sz="2200" i="1" smtClean="0">
-                <a:latin typeface="Cambria Math" panose="02040503050406030204" pitchFamily="18" charset="0"/>
-              </a:rPr>
-              <a:t> </a:t>
+              <a:t>(/cycle) </a:t>
             </a:r>
             <a:endParaRPr lang="en-US" altLang="zh-CN" sz="2200" i="1" dirty="0">
               <a:latin typeface="Cambria Math" panose="02040503050406030204" pitchFamily="18" charset="0"/>
@@ -14751,7 +14739,7 @@
           <a:blip r:embed="rId4">
             <a:extLst>
               <a:ext uri="{96DAC541-7B7A-43D3-8B79-37D633B846F1}">
-                <asvg:svgBlip xmlns="" xmlns:asvg="http://schemas.microsoft.com/office/drawing/2016/SVG/main" r:embed="rId5"/>
+                <asvg:svgBlip xmlns:asvg="http://schemas.microsoft.com/office/drawing/2016/SVG/main" xmlns="" r:embed="rId5"/>
               </a:ext>
             </a:extLst>
           </a:blip>
@@ -14781,7 +14769,7 @@
           <a:blip r:embed="rId4">
             <a:extLst>
               <a:ext uri="{96DAC541-7B7A-43D3-8B79-37D633B846F1}">
-                <asvg:svgBlip xmlns="" xmlns:asvg="http://schemas.microsoft.com/office/drawing/2016/SVG/main" r:embed="rId5"/>
+                <asvg:svgBlip xmlns:asvg="http://schemas.microsoft.com/office/drawing/2016/SVG/main" xmlns="" r:embed="rId5"/>
               </a:ext>
             </a:extLst>
           </a:blip>
@@ -14811,7 +14799,7 @@
           <a:blip r:embed="rId4">
             <a:extLst>
               <a:ext uri="{96DAC541-7B7A-43D3-8B79-37D633B846F1}">
-                <asvg:svgBlip xmlns="" xmlns:asvg="http://schemas.microsoft.com/office/drawing/2016/SVG/main" r:embed="rId5"/>
+                <asvg:svgBlip xmlns:asvg="http://schemas.microsoft.com/office/drawing/2016/SVG/main" xmlns="" r:embed="rId5"/>
               </a:ext>
             </a:extLst>
           </a:blip>
@@ -16197,7 +16185,7 @@
           <a:blip r:embed="rId4">
             <a:extLst>
               <a:ext uri="{96DAC541-7B7A-43D3-8B79-37D633B846F1}">
-                <asvg:svgBlip xmlns="" xmlns:asvg="http://schemas.microsoft.com/office/drawing/2016/SVG/main" r:embed="rId5"/>
+                <asvg:svgBlip xmlns:asvg="http://schemas.microsoft.com/office/drawing/2016/SVG/main" xmlns="" r:embed="rId5"/>
               </a:ext>
             </a:extLst>
           </a:blip>
@@ -16227,7 +16215,7 @@
           <a:blip r:embed="rId4">
             <a:extLst>
               <a:ext uri="{96DAC541-7B7A-43D3-8B79-37D633B846F1}">
-                <asvg:svgBlip xmlns="" xmlns:asvg="http://schemas.microsoft.com/office/drawing/2016/SVG/main" r:embed="rId5"/>
+                <asvg:svgBlip xmlns:asvg="http://schemas.microsoft.com/office/drawing/2016/SVG/main" xmlns="" r:embed="rId5"/>
               </a:ext>
             </a:extLst>
           </a:blip>
@@ -17873,7 +17861,7 @@
           <a:blip r:embed="rId4">
             <a:extLst>
               <a:ext uri="{96DAC541-7B7A-43D3-8B79-37D633B846F1}">
-                <asvg:svgBlip xmlns="" xmlns:asvg="http://schemas.microsoft.com/office/drawing/2016/SVG/main" r:embed="rId5"/>
+                <asvg:svgBlip xmlns:asvg="http://schemas.microsoft.com/office/drawing/2016/SVG/main" xmlns="" r:embed="rId5"/>
               </a:ext>
             </a:extLst>
           </a:blip>
@@ -17903,7 +17891,7 @@
           <a:blip r:embed="rId4">
             <a:extLst>
               <a:ext uri="{96DAC541-7B7A-43D3-8B79-37D633B846F1}">
-                <asvg:svgBlip xmlns="" xmlns:asvg="http://schemas.microsoft.com/office/drawing/2016/SVG/main" r:embed="rId5"/>
+                <asvg:svgBlip xmlns:asvg="http://schemas.microsoft.com/office/drawing/2016/SVG/main" xmlns="" r:embed="rId5"/>
               </a:ext>
             </a:extLst>
           </a:blip>
@@ -20258,7 +20246,7 @@
           <a:blip r:embed="rId4">
             <a:extLst>
               <a:ext uri="{96DAC541-7B7A-43D3-8B79-37D633B846F1}">
-                <asvg:svgBlip xmlns="" xmlns:asvg="http://schemas.microsoft.com/office/drawing/2016/SVG/main" r:embed="rId5"/>
+                <asvg:svgBlip xmlns:asvg="http://schemas.microsoft.com/office/drawing/2016/SVG/main" xmlns="" r:embed="rId5"/>
               </a:ext>
             </a:extLst>
           </a:blip>
@@ -20427,8 +20415,8 @@
           <a:chExt cx="0" cy="0"/>
         </a:xfrm>
       </p:grpSpPr>
-      <mc:AlternateContent xmlns:mc="http://schemas.openxmlformats.org/markup-compatibility/2006" xmlns:a14="http://schemas.microsoft.com/office/drawing/2010/main">
-        <mc:Choice Requires="a14">
+      <mc:AlternateContent xmlns:mc="http://schemas.openxmlformats.org/markup-compatibility/2006">
+        <mc:Choice xmlns:a14="http://schemas.microsoft.com/office/drawing/2010/main" Requires="a14">
           <p:sp>
             <p:nvSpPr>
               <p:cNvPr id="15" name="内容占位符 2"/>
@@ -21130,6 +21118,13 @@
                     </m:r>
                   </m:oMath>
                 </a14:m>
+                <a:r>
+                  <a:rPr lang="zh-CN" altLang="en-US" dirty="0" smtClean="0">
+                    <a:latin typeface="Cambria Math" panose="02040503050406030204" pitchFamily="18" charset="0"/>
+                    <a:cs typeface="Cambria Math" panose="02040503050406030204" pitchFamily="18" charset="0"/>
+                  </a:rPr>
+                  <a:t>（可计算方法）</a:t>
+                </a:r>
                 <a:endParaRPr lang="en-US" altLang="zh-CN" dirty="0">
                   <a:latin typeface="Cambria Math" panose="02040503050406030204" pitchFamily="18" charset="0"/>
                   <a:cs typeface="Cambria Math" panose="02040503050406030204" pitchFamily="18" charset="0"/>
@@ -22222,7 +22217,7 @@
             </p:txBody>
           </p:sp>
         </mc:Choice>
-        <mc:Fallback xmlns="">
+        <mc:Fallback>
           <p:sp>
             <p:nvSpPr>
               <p:cNvPr id="15" name="内容占位符 2"/>
@@ -22319,7 +22314,7 @@
           <a:blip r:embed="rId4">
             <a:extLst>
               <a:ext uri="{96DAC541-7B7A-43D3-8B79-37D633B846F1}">
-                <asvg:svgBlip xmlns="" xmlns:asvg="http://schemas.microsoft.com/office/drawing/2016/SVG/main" r:embed="rId5"/>
+                <asvg:svgBlip xmlns:asvg="http://schemas.microsoft.com/office/drawing/2016/SVG/main" xmlns="" r:embed="rId5"/>
               </a:ext>
             </a:extLst>
           </a:blip>
@@ -22349,7 +22344,7 @@
           <a:blip r:embed="rId4">
             <a:extLst>
               <a:ext uri="{96DAC541-7B7A-43D3-8B79-37D633B846F1}">
-                <asvg:svgBlip xmlns="" xmlns:asvg="http://schemas.microsoft.com/office/drawing/2016/SVG/main" r:embed="rId5"/>
+                <asvg:svgBlip xmlns:asvg="http://schemas.microsoft.com/office/drawing/2016/SVG/main" xmlns="" r:embed="rId5"/>
               </a:ext>
             </a:extLst>
           </a:blip>
@@ -28482,7 +28477,7 @@
           <a:blip r:embed="rId2">
             <a:extLst>
               <a:ext uri="{96DAC541-7B7A-43D3-8B79-37D633B846F1}">
-                <asvg:svgBlip xmlns="" xmlns:asvg="http://schemas.microsoft.com/office/drawing/2016/SVG/main" r:embed="rId3"/>
+                <asvg:svgBlip xmlns:asvg="http://schemas.microsoft.com/office/drawing/2016/SVG/main" xmlns="" r:embed="rId3"/>
               </a:ext>
             </a:extLst>
           </a:blip>
@@ -28512,7 +28507,7 @@
           <a:blip r:embed="rId2">
             <a:extLst>
               <a:ext uri="{96DAC541-7B7A-43D3-8B79-37D633B846F1}">
-                <asvg:svgBlip xmlns="" xmlns:asvg="http://schemas.microsoft.com/office/drawing/2016/SVG/main" r:embed="rId3"/>
+                <asvg:svgBlip xmlns:asvg="http://schemas.microsoft.com/office/drawing/2016/SVG/main" xmlns="" r:embed="rId3"/>
               </a:ext>
             </a:extLst>
           </a:blip>
@@ -28542,7 +28537,7 @@
           <a:blip r:embed="rId2">
             <a:extLst>
               <a:ext uri="{96DAC541-7B7A-43D3-8B79-37D633B846F1}">
-                <asvg:svgBlip xmlns="" xmlns:asvg="http://schemas.microsoft.com/office/drawing/2016/SVG/main" r:embed="rId3"/>
+                <asvg:svgBlip xmlns:asvg="http://schemas.microsoft.com/office/drawing/2016/SVG/main" xmlns="" r:embed="rId3"/>
               </a:ext>
             </a:extLst>
           </a:blip>
@@ -28744,7 +28739,7 @@
           <a:blip r:embed="rId2">
             <a:extLst>
               <a:ext uri="{96DAC541-7B7A-43D3-8B79-37D633B846F1}">
-                <asvg:svgBlip xmlns="" xmlns:asvg="http://schemas.microsoft.com/office/drawing/2016/SVG/main" r:embed="rId3"/>
+                <asvg:svgBlip xmlns:asvg="http://schemas.microsoft.com/office/drawing/2016/SVG/main" xmlns="" r:embed="rId3"/>
               </a:ext>
             </a:extLst>
           </a:blip>
@@ -28774,7 +28769,7 @@
           <a:blip r:embed="rId2">
             <a:extLst>
               <a:ext uri="{96DAC541-7B7A-43D3-8B79-37D633B846F1}">
-                <asvg:svgBlip xmlns="" xmlns:asvg="http://schemas.microsoft.com/office/drawing/2016/SVG/main" r:embed="rId3"/>
+                <asvg:svgBlip xmlns:asvg="http://schemas.microsoft.com/office/drawing/2016/SVG/main" xmlns="" r:embed="rId3"/>
               </a:ext>
             </a:extLst>
           </a:blip>
@@ -30223,7 +30218,7 @@
           <a:blip r:embed="rId3">
             <a:extLst>
               <a:ext uri="{96DAC541-7B7A-43D3-8B79-37D633B846F1}">
-                <asvg:svgBlip xmlns="" xmlns:asvg="http://schemas.microsoft.com/office/drawing/2016/SVG/main" r:embed="rId4"/>
+                <asvg:svgBlip xmlns:asvg="http://schemas.microsoft.com/office/drawing/2016/SVG/main" xmlns="" r:embed="rId4"/>
               </a:ext>
             </a:extLst>
           </a:blip>
@@ -30253,7 +30248,7 @@
           <a:blip r:embed="rId3">
             <a:extLst>
               <a:ext uri="{96DAC541-7B7A-43D3-8B79-37D633B846F1}">
-                <asvg:svgBlip xmlns="" xmlns:asvg="http://schemas.microsoft.com/office/drawing/2016/SVG/main" r:embed="rId4"/>
+                <asvg:svgBlip xmlns:asvg="http://schemas.microsoft.com/office/drawing/2016/SVG/main" xmlns="" r:embed="rId4"/>
               </a:ext>
             </a:extLst>
           </a:blip>
@@ -30283,7 +30278,7 @@
           <a:blip r:embed="rId3">
             <a:extLst>
               <a:ext uri="{96DAC541-7B7A-43D3-8B79-37D633B846F1}">
-                <asvg:svgBlip xmlns="" xmlns:asvg="http://schemas.microsoft.com/office/drawing/2016/SVG/main" r:embed="rId4"/>
+                <asvg:svgBlip xmlns:asvg="http://schemas.microsoft.com/office/drawing/2016/SVG/main" xmlns="" r:embed="rId4"/>
               </a:ext>
             </a:extLst>
           </a:blip>
@@ -30313,7 +30308,7 @@
           <a:blip r:embed="rId3">
             <a:extLst>
               <a:ext uri="{96DAC541-7B7A-43D3-8B79-37D633B846F1}">
-                <asvg:svgBlip xmlns="" xmlns:asvg="http://schemas.microsoft.com/office/drawing/2016/SVG/main" r:embed="rId4"/>
+                <asvg:svgBlip xmlns:asvg="http://schemas.microsoft.com/office/drawing/2016/SVG/main" xmlns="" r:embed="rId4"/>
               </a:ext>
             </a:extLst>
           </a:blip>
@@ -31278,7 +31273,7 @@
           <a:blip r:embed="rId14">
             <a:extLst>
               <a:ext uri="{96DAC541-7B7A-43D3-8B79-37D633B846F1}">
-                <asvg:svgBlip xmlns="" xmlns:asvg="http://schemas.microsoft.com/office/drawing/2016/SVG/main" r:embed="rId15"/>
+                <asvg:svgBlip xmlns:asvg="http://schemas.microsoft.com/office/drawing/2016/SVG/main" xmlns="" r:embed="rId15"/>
               </a:ext>
             </a:extLst>
           </a:blip>
@@ -31308,7 +31303,7 @@
           <a:blip r:embed="rId14">
             <a:extLst>
               <a:ext uri="{96DAC541-7B7A-43D3-8B79-37D633B846F1}">
-                <asvg:svgBlip xmlns="" xmlns:asvg="http://schemas.microsoft.com/office/drawing/2016/SVG/main" r:embed="rId15"/>
+                <asvg:svgBlip xmlns:asvg="http://schemas.microsoft.com/office/drawing/2016/SVG/main" xmlns="" r:embed="rId15"/>
               </a:ext>
             </a:extLst>
           </a:blip>
@@ -31338,7 +31333,7 @@
           <a:blip r:embed="rId14">
             <a:extLst>
               <a:ext uri="{96DAC541-7B7A-43D3-8B79-37D633B846F1}">
-                <asvg:svgBlip xmlns="" xmlns:asvg="http://schemas.microsoft.com/office/drawing/2016/SVG/main" r:embed="rId15"/>
+                <asvg:svgBlip xmlns:asvg="http://schemas.microsoft.com/office/drawing/2016/SVG/main" xmlns="" r:embed="rId15"/>
               </a:ext>
             </a:extLst>
           </a:blip>
@@ -31368,7 +31363,7 @@
           <a:blip r:embed="rId14">
             <a:extLst>
               <a:ext uri="{96DAC541-7B7A-43D3-8B79-37D633B846F1}">
-                <asvg:svgBlip xmlns="" xmlns:asvg="http://schemas.microsoft.com/office/drawing/2016/SVG/main" r:embed="rId15"/>
+                <asvg:svgBlip xmlns:asvg="http://schemas.microsoft.com/office/drawing/2016/SVG/main" xmlns="" r:embed="rId15"/>
               </a:ext>
             </a:extLst>
           </a:blip>
@@ -31398,7 +31393,7 @@
           <a:blip r:embed="rId14">
             <a:extLst>
               <a:ext uri="{96DAC541-7B7A-43D3-8B79-37D633B846F1}">
-                <asvg:svgBlip xmlns="" xmlns:asvg="http://schemas.microsoft.com/office/drawing/2016/SVG/main" r:embed="rId15"/>
+                <asvg:svgBlip xmlns:asvg="http://schemas.microsoft.com/office/drawing/2016/SVG/main" xmlns="" r:embed="rId15"/>
               </a:ext>
             </a:extLst>
           </a:blip>
@@ -32653,21 +32648,21 @@
                 <a:gridCol w="2457688">
                   <a:extLst>
                     <a:ext uri="{9D8B030D-6E8A-4147-A177-3AD203B41FA5}">
-                      <a16:colId xmlns:a16="http://schemas.microsoft.com/office/drawing/2014/main" xmlns="" val="20000"/>
+                      <a16:colId xmlns="" xmlns:a16="http://schemas.microsoft.com/office/drawing/2014/main" val="20000"/>
                     </a:ext>
                   </a:extLst>
                 </a:gridCol>
                 <a:gridCol w="1812758">
                   <a:extLst>
                     <a:ext uri="{9D8B030D-6E8A-4147-A177-3AD203B41FA5}">
-                      <a16:colId xmlns:a16="http://schemas.microsoft.com/office/drawing/2014/main" xmlns="" val="20001"/>
+                      <a16:colId xmlns="" xmlns:a16="http://schemas.microsoft.com/office/drawing/2014/main" val="20001"/>
                     </a:ext>
                   </a:extLst>
                 </a:gridCol>
                 <a:gridCol w="3108158">
                   <a:extLst>
                     <a:ext uri="{9D8B030D-6E8A-4147-A177-3AD203B41FA5}">
-                      <a16:colId xmlns:a16="http://schemas.microsoft.com/office/drawing/2014/main" xmlns="" val="20002"/>
+                      <a16:colId xmlns="" xmlns:a16="http://schemas.microsoft.com/office/drawing/2014/main" val="20002"/>
                     </a:ext>
                   </a:extLst>
                 </a:gridCol>
@@ -32772,7 +32767,7 @@
                 </a:tc>
                 <a:extLst>
                   <a:ext uri="{0D108BD9-81ED-4DB2-BD59-A6C34878D82A}">
-                    <a16:rowId xmlns:a16="http://schemas.microsoft.com/office/drawing/2014/main" xmlns="" val="10000"/>
+                    <a16:rowId xmlns="" xmlns:a16="http://schemas.microsoft.com/office/drawing/2014/main" val="10000"/>
                   </a:ext>
                 </a:extLst>
               </a:tr>
@@ -32870,7 +32865,7 @@
                 </a:tc>
                 <a:extLst>
                   <a:ext uri="{0D108BD9-81ED-4DB2-BD59-A6C34878D82A}">
-                    <a16:rowId xmlns:a16="http://schemas.microsoft.com/office/drawing/2014/main" xmlns="" val="10001"/>
+                    <a16:rowId xmlns="" xmlns:a16="http://schemas.microsoft.com/office/drawing/2014/main" val="10001"/>
                   </a:ext>
                 </a:extLst>
               </a:tr>
@@ -32961,7 +32956,7 @@
                 </a:tc>
                 <a:extLst>
                   <a:ext uri="{0D108BD9-81ED-4DB2-BD59-A6C34878D82A}">
-                    <a16:rowId xmlns:a16="http://schemas.microsoft.com/office/drawing/2014/main" xmlns="" val="10002"/>
+                    <a16:rowId xmlns="" xmlns:a16="http://schemas.microsoft.com/office/drawing/2014/main" val="10002"/>
                   </a:ext>
                 </a:extLst>
               </a:tr>
@@ -33066,7 +33061,7 @@
                 </a:tc>
                 <a:extLst>
                   <a:ext uri="{0D108BD9-81ED-4DB2-BD59-A6C34878D82A}">
-                    <a16:rowId xmlns:a16="http://schemas.microsoft.com/office/drawing/2014/main" xmlns="" val="10003"/>
+                    <a16:rowId xmlns="" xmlns:a16="http://schemas.microsoft.com/office/drawing/2014/main" val="10003"/>
                   </a:ext>
                 </a:extLst>
               </a:tr>
@@ -33157,7 +33152,7 @@
                 </a:tc>
                 <a:extLst>
                   <a:ext uri="{0D108BD9-81ED-4DB2-BD59-A6C34878D82A}">
-                    <a16:rowId xmlns:a16="http://schemas.microsoft.com/office/drawing/2014/main" xmlns="" val="10004"/>
+                    <a16:rowId xmlns="" xmlns:a16="http://schemas.microsoft.com/office/drawing/2014/main" val="10004"/>
                   </a:ext>
                 </a:extLst>
               </a:tr>
@@ -33254,7 +33249,7 @@
           <a:blip r:embed="rId6">
             <a:extLst>
               <a:ext uri="{96DAC541-7B7A-43D3-8B79-37D633B846F1}">
-                <asvg:svgBlip xmlns="" xmlns:asvg="http://schemas.microsoft.com/office/drawing/2016/SVG/main" r:embed="rId7"/>
+                <asvg:svgBlip xmlns:asvg="http://schemas.microsoft.com/office/drawing/2016/SVG/main" xmlns="" r:embed="rId7"/>
               </a:ext>
             </a:extLst>
           </a:blip>

--- a/组会3.24GNN.pptx
+++ b/组会3.24GNN.pptx
@@ -5,7 +5,7 @@
     <p:sldMasterId id="2147483648" r:id="rId1"/>
   </p:sldMasterIdLst>
   <p:notesMasterIdLst>
-    <p:notesMasterId r:id="rId25"/>
+    <p:notesMasterId r:id="rId26"/>
   </p:notesMasterIdLst>
   <p:sldIdLst>
     <p:sldId id="256" r:id="rId2"/>
@@ -27,10 +27,11 @@
     <p:sldId id="372" r:id="rId18"/>
     <p:sldId id="373" r:id="rId19"/>
     <p:sldId id="374" r:id="rId20"/>
-    <p:sldId id="375" r:id="rId21"/>
-    <p:sldId id="361" r:id="rId22"/>
-    <p:sldId id="354" r:id="rId23"/>
-    <p:sldId id="321" r:id="rId24"/>
+    <p:sldId id="376" r:id="rId21"/>
+    <p:sldId id="375" r:id="rId22"/>
+    <p:sldId id="361" r:id="rId23"/>
+    <p:sldId id="354" r:id="rId24"/>
+    <p:sldId id="321" r:id="rId25"/>
   </p:sldIdLst>
   <p:sldSz cx="12192000" cy="6858000"/>
   <p:notesSz cx="6858000" cy="9144000"/>
@@ -230,7 +231,7 @@
           <a:p>
             <a:fld id="{5F273A26-202E-431B-AD76-A5F023416F0D}" type="datetimeFigureOut">
               <a:rPr lang="zh-CN" altLang="en-US" smtClean="0"/>
-              <a:t>2022/3/24</a:t>
+              <a:t>2022/3/25</a:t>
             </a:fld>
             <a:endParaRPr lang="zh-CN" altLang="en-US"/>
           </a:p>
@@ -836,6 +837,72 @@
     </p:spTree>
     <p:extLst>
       <p:ext uri="{BB962C8B-B14F-4D97-AF65-F5344CB8AC3E}">
+        <p14:creationId xmlns:p14="http://schemas.microsoft.com/office/powerpoint/2010/main" val="1818559727"/>
+      </p:ext>
+    </p:extLst>
+  </p:cSld>
+  <p:clrMapOvr>
+    <a:masterClrMapping/>
+  </p:clrMapOvr>
+</p:notes>
+</file>
+
+<file path=ppt/notesSlides/notesSlide14.xml><?xml version="1.0" encoding="utf-8"?>
+<p:notes xmlns:a="http://schemas.openxmlformats.org/drawingml/2006/main" xmlns:r="http://schemas.openxmlformats.org/officeDocument/2006/relationships" xmlns:p="http://schemas.openxmlformats.org/presentationml/2006/main">
+  <p:cSld>
+    <p:spTree>
+      <p:nvGrpSpPr>
+        <p:cNvPr id="1" name=""/>
+        <p:cNvGrpSpPr/>
+        <p:nvPr/>
+      </p:nvGrpSpPr>
+      <p:grpSpPr>
+        <a:xfrm>
+          <a:off x="0" y="0"/>
+          <a:ext cx="0" cy="0"/>
+          <a:chOff x="0" y="0"/>
+          <a:chExt cx="0" cy="0"/>
+        </a:xfrm>
+      </p:grpSpPr>
+      <p:sp>
+        <p:nvSpPr>
+          <p:cNvPr id="2" name="幻灯片图像占位符 1"/>
+          <p:cNvSpPr>
+            <a:spLocks noGrp="1" noRot="1" noChangeAspect="1"/>
+          </p:cNvSpPr>
+          <p:nvPr>
+            <p:ph type="sldImg" idx="2"/>
+          </p:nvPr>
+        </p:nvSpPr>
+        <p:spPr>
+          <a:xfrm>
+            <a:off x="685800" y="1143000"/>
+            <a:ext cx="5486400" cy="3086100"/>
+          </a:xfrm>
+        </p:spPr>
+      </p:sp>
+      <p:sp>
+        <p:nvSpPr>
+          <p:cNvPr id="3" name="文本占位符 2"/>
+          <p:cNvSpPr>
+            <a:spLocks noGrp="1"/>
+          </p:cNvSpPr>
+          <p:nvPr>
+            <p:ph type="body" idx="3"/>
+          </p:nvPr>
+        </p:nvSpPr>
+        <p:spPr/>
+        <p:txBody>
+          <a:bodyPr/>
+          <a:lstStyle/>
+          <a:p>
+            <a:endParaRPr lang="zh-CN" altLang="en-US" dirty="0"/>
+          </a:p>
+        </p:txBody>
+      </p:sp>
+    </p:spTree>
+    <p:extLst>
+      <p:ext uri="{BB962C8B-B14F-4D97-AF65-F5344CB8AC3E}">
         <p14:creationId xmlns:p14="http://schemas.microsoft.com/office/powerpoint/2010/main" val="3239832798"/>
       </p:ext>
     </p:extLst>
@@ -846,7 +913,7 @@
 </p:notes>
 </file>
 
-<file path=ppt/notesSlides/notesSlide14.xml><?xml version="1.0" encoding="utf-8"?>
+<file path=ppt/notesSlides/notesSlide15.xml><?xml version="1.0" encoding="utf-8"?>
 <p:notes xmlns:a="http://schemas.openxmlformats.org/drawingml/2006/main" xmlns:r="http://schemas.openxmlformats.org/officeDocument/2006/relationships" xmlns:p="http://schemas.openxmlformats.org/presentationml/2006/main">
   <p:cSld>
     <p:spTree>
@@ -1571,7 +1638,7 @@
           <a:p>
             <a:fld id="{D2DA14B7-EFA4-4552-9A35-108FC461037B}" type="datetime1">
               <a:rPr lang="zh-CN" altLang="en-US" smtClean="0"/>
-              <a:t>2022/3/24</a:t>
+              <a:t>2022/3/25</a:t>
             </a:fld>
             <a:endParaRPr lang="zh-CN" altLang="en-US"/>
           </a:p>
@@ -1743,7 +1810,7 @@
           <a:p>
             <a:fld id="{7B2AF473-7D85-46E5-818E-5B009CB9D0E2}" type="datetime1">
               <a:rPr lang="zh-CN" altLang="en-US" smtClean="0"/>
-              <a:t>2022/3/24</a:t>
+              <a:t>2022/3/25</a:t>
             </a:fld>
             <a:endParaRPr lang="zh-CN" altLang="en-US"/>
           </a:p>
@@ -1918,7 +1985,7 @@
           <a:p>
             <a:fld id="{3C4D3159-4E25-4F06-B17A-E551EA2A014F}" type="datetime1">
               <a:rPr lang="zh-CN" altLang="en-US" smtClean="0"/>
-              <a:t>2022/3/24</a:t>
+              <a:t>2022/3/25</a:t>
             </a:fld>
             <a:endParaRPr lang="zh-CN" altLang="en-US"/>
           </a:p>
@@ -2136,7 +2203,7 @@
           <a:p>
             <a:fld id="{25ED9F82-50BF-416A-84C5-BEBB50BB99AF}" type="datetime1">
               <a:rPr lang="zh-CN" altLang="en-US" smtClean="0"/>
-              <a:t>2022/3/24</a:t>
+              <a:t>2022/3/25</a:t>
             </a:fld>
             <a:endParaRPr lang="zh-CN" altLang="en-US"/>
           </a:p>
@@ -2519,7 +2586,7 @@
           <a:p>
             <a:fld id="{FE43C476-6102-4371-9CDB-C438C8C363FD}" type="datetime1">
               <a:rPr lang="zh-CN" altLang="en-US" smtClean="0"/>
-              <a:t>2022/3/24</a:t>
+              <a:t>2022/3/25</a:t>
             </a:fld>
             <a:endParaRPr lang="zh-CN" altLang="en-US"/>
           </a:p>
@@ -2753,7 +2820,7 @@
           <a:p>
             <a:fld id="{4F38462B-42B2-454F-A088-DB5E8117633F}" type="datetime1">
               <a:rPr lang="zh-CN" altLang="en-US" smtClean="0"/>
-              <a:t>2022/3/24</a:t>
+              <a:t>2022/3/25</a:t>
             </a:fld>
             <a:endParaRPr lang="zh-CN" altLang="en-US"/>
           </a:p>
@@ -3122,7 +3189,7 @@
           <a:p>
             <a:fld id="{189FC360-3D03-4AEF-8660-10EB205FCE15}" type="datetime1">
               <a:rPr lang="zh-CN" altLang="en-US" smtClean="0"/>
-              <a:t>2022/3/24</a:t>
+              <a:t>2022/3/25</a:t>
             </a:fld>
             <a:endParaRPr lang="zh-CN" altLang="en-US"/>
           </a:p>
@@ -3235,7 +3302,7 @@
           <a:p>
             <a:fld id="{858C2E6C-0097-4171-A137-E6260F915C38}" type="datetime1">
               <a:rPr lang="zh-CN" altLang="en-US" smtClean="0"/>
-              <a:t>2022/3/24</a:t>
+              <a:t>2022/3/25</a:t>
             </a:fld>
             <a:endParaRPr lang="zh-CN" altLang="en-US"/>
           </a:p>
@@ -3325,7 +3392,7 @@
           <a:p>
             <a:fld id="{7AFE4A2B-517A-41F3-86E1-CC0FE98B087F}" type="datetime1">
               <a:rPr lang="zh-CN" altLang="en-US" smtClean="0"/>
-              <a:t>2022/3/24</a:t>
+              <a:t>2022/3/25</a:t>
             </a:fld>
             <a:endParaRPr lang="zh-CN" altLang="en-US"/>
           </a:p>
@@ -3597,7 +3664,7 @@
           <a:p>
             <a:fld id="{6BC4A481-D110-4405-8D29-7F4C8B8C5605}" type="datetime1">
               <a:rPr lang="zh-CN" altLang="en-US" smtClean="0"/>
-              <a:t>2022/3/24</a:t>
+              <a:t>2022/3/25</a:t>
             </a:fld>
             <a:endParaRPr lang="zh-CN" altLang="en-US"/>
           </a:p>
@@ -3845,7 +3912,7 @@
           <a:p>
             <a:fld id="{DE264D7F-A3B6-4CE8-9A1A-A86D617CC5CF}" type="datetime1">
               <a:rPr lang="zh-CN" altLang="en-US" smtClean="0"/>
-              <a:t>2022/3/24</a:t>
+              <a:t>2022/3/25</a:t>
             </a:fld>
             <a:endParaRPr lang="zh-CN" altLang="en-US"/>
           </a:p>
@@ -4053,7 +4120,7 @@
           <a:p>
             <a:fld id="{C399469A-CC65-4820-8272-D84B923EF7A4}" type="datetime1">
               <a:rPr lang="zh-CN" altLang="en-US" smtClean="0"/>
-              <a:t>2022/3/24</a:t>
+              <a:t>2022/3/25</a:t>
             </a:fld>
             <a:endParaRPr lang="zh-CN" altLang="en-US"/>
           </a:p>
@@ -4622,14 +4689,14 @@
                 <a:gridCol w="2518189">
                   <a:extLst>
                     <a:ext uri="{9D8B030D-6E8A-4147-A177-3AD203B41FA5}">
-                      <a16:colId xmlns:a16="http://schemas.microsoft.com/office/drawing/2014/main" xmlns="" val="20000"/>
+                      <a16:colId xmlns="" xmlns:a16="http://schemas.microsoft.com/office/drawing/2014/main" val="20000"/>
                     </a:ext>
                   </a:extLst>
                 </a:gridCol>
                 <a:gridCol w="5972258">
                   <a:extLst>
                     <a:ext uri="{9D8B030D-6E8A-4147-A177-3AD203B41FA5}">
-                      <a16:colId xmlns:a16="http://schemas.microsoft.com/office/drawing/2014/main" xmlns="" val="20001"/>
+                      <a16:colId xmlns="" xmlns:a16="http://schemas.microsoft.com/office/drawing/2014/main" val="20001"/>
                     </a:ext>
                   </a:extLst>
                 </a:gridCol>
@@ -4776,7 +4843,7 @@
                 </a:tc>
                 <a:extLst>
                   <a:ext uri="{0D108BD9-81ED-4DB2-BD59-A6C34878D82A}">
-                    <a16:rowId xmlns:a16="http://schemas.microsoft.com/office/drawing/2014/main" xmlns="" val="10000"/>
+                    <a16:rowId xmlns="" xmlns:a16="http://schemas.microsoft.com/office/drawing/2014/main" val="10000"/>
                   </a:ext>
                 </a:extLst>
               </a:tr>
@@ -4912,7 +4979,7 @@
                 </a:tc>
                 <a:extLst>
                   <a:ext uri="{0D108BD9-81ED-4DB2-BD59-A6C34878D82A}">
-                    <a16:rowId xmlns:a16="http://schemas.microsoft.com/office/drawing/2014/main" xmlns="" val="10001"/>
+                    <a16:rowId xmlns="" xmlns:a16="http://schemas.microsoft.com/office/drawing/2014/main" val="10001"/>
                   </a:ext>
                 </a:extLst>
               </a:tr>
@@ -5055,7 +5122,7 @@
                 </a:tc>
                 <a:extLst>
                   <a:ext uri="{0D108BD9-81ED-4DB2-BD59-A6C34878D82A}">
-                    <a16:rowId xmlns:a16="http://schemas.microsoft.com/office/drawing/2014/main" xmlns="" val="10002"/>
+                    <a16:rowId xmlns="" xmlns:a16="http://schemas.microsoft.com/office/drawing/2014/main" val="10002"/>
                   </a:ext>
                 </a:extLst>
               </a:tr>
@@ -5182,7 +5249,7 @@
                 </a:tc>
                 <a:extLst>
                   <a:ext uri="{0D108BD9-81ED-4DB2-BD59-A6C34878D82A}">
-                    <a16:rowId xmlns:a16="http://schemas.microsoft.com/office/drawing/2014/main" xmlns="" val="10003"/>
+                    <a16:rowId xmlns="" xmlns:a16="http://schemas.microsoft.com/office/drawing/2014/main" val="10003"/>
                   </a:ext>
                 </a:extLst>
               </a:tr>
@@ -6014,7 +6081,7 @@
                     <a:latin typeface="微软雅黑" panose="020B0503020204020204" pitchFamily="34" charset="-122"/>
                     <a:ea typeface="微软雅黑" panose="020B0503020204020204" pitchFamily="34" charset="-122"/>
                   </a:rPr>
-                  <a:t>Buffer </a:t>
+                  <a:t>Global buffer </a:t>
                 </a:r>
                 <a:r>
                   <a:rPr lang="en-US" altLang="zh-CN" dirty="0">
@@ -6337,7 +6404,7 @@
           <a:blip r:embed="rId4">
             <a:extLst>
               <a:ext uri="{96DAC541-7B7A-43D3-8B79-37D633B846F1}">
-                <asvg:svgBlip xmlns="" xmlns:asvg="http://schemas.microsoft.com/office/drawing/2016/SVG/main" r:embed="rId5"/>
+                <asvg:svgBlip xmlns:asvg="http://schemas.microsoft.com/office/drawing/2016/SVG/main" xmlns="" r:embed="rId5"/>
               </a:ext>
             </a:extLst>
           </a:blip>
@@ -6367,7 +6434,7 @@
           <a:blip r:embed="rId4">
             <a:extLst>
               <a:ext uri="{96DAC541-7B7A-43D3-8B79-37D633B846F1}">
-                <asvg:svgBlip xmlns="" xmlns:asvg="http://schemas.microsoft.com/office/drawing/2016/SVG/main" r:embed="rId5"/>
+                <asvg:svgBlip xmlns:asvg="http://schemas.microsoft.com/office/drawing/2016/SVG/main" xmlns="" r:embed="rId5"/>
               </a:ext>
             </a:extLst>
           </a:blip>
@@ -7567,14 +7634,14 @@
                     <a:latin typeface="微软雅黑" panose="020B0503020204020204" pitchFamily="34" charset="-122"/>
                     <a:ea typeface="微软雅黑" panose="020B0503020204020204" pitchFamily="34" charset="-122"/>
                   </a:rPr>
-                  <a:t>b: </a:t>
+                  <a:t>b: global buffer </a:t>
                 </a:r>
                 <a:r>
                   <a:rPr lang="en-US" altLang="zh-CN" sz="2600" dirty="0">
                     <a:latin typeface="微软雅黑" panose="020B0503020204020204" pitchFamily="34" charset="-122"/>
                     <a:ea typeface="微软雅黑" panose="020B0503020204020204" pitchFamily="34" charset="-122"/>
                   </a:rPr>
-                  <a:t>buffer size for per </a:t>
+                  <a:t>size for per </a:t>
                 </a:r>
                 <a:r>
                   <a:rPr lang="en-US" altLang="zh-CN" sz="2600" dirty="0" err="1" smtClean="0">
@@ -7687,7 +7754,7 @@
           <a:blip r:embed="rId4">
             <a:extLst>
               <a:ext uri="{96DAC541-7B7A-43D3-8B79-37D633B846F1}">
-                <asvg:svgBlip xmlns="" xmlns:asvg="http://schemas.microsoft.com/office/drawing/2016/SVG/main" r:embed="rId5"/>
+                <asvg:svgBlip xmlns:asvg="http://schemas.microsoft.com/office/drawing/2016/SVG/main" xmlns="" r:embed="rId5"/>
               </a:ext>
             </a:extLst>
           </a:blip>
@@ -7717,7 +7784,7 @@
           <a:blip r:embed="rId4">
             <a:extLst>
               <a:ext uri="{96DAC541-7B7A-43D3-8B79-37D633B846F1}">
-                <asvg:svgBlip xmlns="" xmlns:asvg="http://schemas.microsoft.com/office/drawing/2016/SVG/main" r:embed="rId5"/>
+                <asvg:svgBlip xmlns:asvg="http://schemas.microsoft.com/office/drawing/2016/SVG/main" xmlns="" r:embed="rId5"/>
               </a:ext>
             </a:extLst>
           </a:blip>
@@ -7747,7 +7814,7 @@
           <a:blip r:embed="rId4">
             <a:extLst>
               <a:ext uri="{96DAC541-7B7A-43D3-8B79-37D633B846F1}">
-                <asvg:svgBlip xmlns="" xmlns:asvg="http://schemas.microsoft.com/office/drawing/2016/SVG/main" r:embed="rId5"/>
+                <asvg:svgBlip xmlns:asvg="http://schemas.microsoft.com/office/drawing/2016/SVG/main" xmlns="" r:embed="rId5"/>
               </a:ext>
             </a:extLst>
           </a:blip>
@@ -7770,7 +7837,7 @@
           <p:cNvPr id="13" name="矩形 12">
             <a:extLst>
               <a:ext uri="{FF2B5EF4-FFF2-40B4-BE49-F238E27FC236}">
-                <a16:creationId xmlns:a16="http://schemas.microsoft.com/office/drawing/2014/main" xmlns="" id="{FE6CE1C5-47F9-4C6E-AD3F-D63883C9C6D1}"/>
+                <a16:creationId xmlns="" xmlns:a16="http://schemas.microsoft.com/office/drawing/2014/main" id="{FE6CE1C5-47F9-4C6E-AD3F-D63883C9C6D1}"/>
               </a:ext>
             </a:extLst>
           </p:cNvPr>
@@ -7814,7 +7881,7 @@
           <p:cNvPr id="14" name="椭圆 13">
             <a:extLst>
               <a:ext uri="{FF2B5EF4-FFF2-40B4-BE49-F238E27FC236}">
-                <a16:creationId xmlns:a16="http://schemas.microsoft.com/office/drawing/2014/main" xmlns="" id="{E7603584-2625-48C8-8AE6-25BBFB217C07}"/>
+                <a16:creationId xmlns="" xmlns:a16="http://schemas.microsoft.com/office/drawing/2014/main" id="{E7603584-2625-48C8-8AE6-25BBFB217C07}"/>
               </a:ext>
             </a:extLst>
           </p:cNvPr>
@@ -7873,7 +7940,7 @@
           <p:cNvPr id="15" name="矩形 14">
             <a:extLst>
               <a:ext uri="{FF2B5EF4-FFF2-40B4-BE49-F238E27FC236}">
-                <a16:creationId xmlns:a16="http://schemas.microsoft.com/office/drawing/2014/main" xmlns="" id="{FE6CE1C5-47F9-4C6E-AD3F-D63883C9C6D1}"/>
+                <a16:creationId xmlns="" xmlns:a16="http://schemas.microsoft.com/office/drawing/2014/main" id="{FE6CE1C5-47F9-4C6E-AD3F-D63883C9C6D1}"/>
               </a:ext>
             </a:extLst>
           </p:cNvPr>
@@ -7918,7 +7985,7 @@
           <p:cNvPr id="16" name="椭圆 15">
             <a:extLst>
               <a:ext uri="{FF2B5EF4-FFF2-40B4-BE49-F238E27FC236}">
-                <a16:creationId xmlns:a16="http://schemas.microsoft.com/office/drawing/2014/main" xmlns="" id="{E7603584-2625-48C8-8AE6-25BBFB217C07}"/>
+                <a16:creationId xmlns="" xmlns:a16="http://schemas.microsoft.com/office/drawing/2014/main" id="{E7603584-2625-48C8-8AE6-25BBFB217C07}"/>
               </a:ext>
             </a:extLst>
           </p:cNvPr>
@@ -7977,7 +8044,7 @@
           <p:cNvPr id="17" name="椭圆 16">
             <a:extLst>
               <a:ext uri="{FF2B5EF4-FFF2-40B4-BE49-F238E27FC236}">
-                <a16:creationId xmlns:a16="http://schemas.microsoft.com/office/drawing/2014/main" xmlns="" id="{E7603584-2625-48C8-8AE6-25BBFB217C07}"/>
+                <a16:creationId xmlns="" xmlns:a16="http://schemas.microsoft.com/office/drawing/2014/main" id="{E7603584-2625-48C8-8AE6-25BBFB217C07}"/>
               </a:ext>
             </a:extLst>
           </p:cNvPr>
@@ -8036,7 +8103,7 @@
           <p:cNvPr id="18" name="矩形 17">
             <a:extLst>
               <a:ext uri="{FF2B5EF4-FFF2-40B4-BE49-F238E27FC236}">
-                <a16:creationId xmlns:a16="http://schemas.microsoft.com/office/drawing/2014/main" xmlns="" id="{FE6CE1C5-47F9-4C6E-AD3F-D63883C9C6D1}"/>
+                <a16:creationId xmlns="" xmlns:a16="http://schemas.microsoft.com/office/drawing/2014/main" id="{FE6CE1C5-47F9-4C6E-AD3F-D63883C9C6D1}"/>
               </a:ext>
             </a:extLst>
           </p:cNvPr>
@@ -8086,7 +8153,7 @@
           <p:cNvPr id="19" name="矩形 18">
             <a:extLst>
               <a:ext uri="{FF2B5EF4-FFF2-40B4-BE49-F238E27FC236}">
-                <a16:creationId xmlns:a16="http://schemas.microsoft.com/office/drawing/2014/main" xmlns="" id="{FE6CE1C5-47F9-4C6E-AD3F-D63883C9C6D1}"/>
+                <a16:creationId xmlns="" xmlns:a16="http://schemas.microsoft.com/office/drawing/2014/main" id="{FE6CE1C5-47F9-4C6E-AD3F-D63883C9C6D1}"/>
               </a:ext>
             </a:extLst>
           </p:cNvPr>
@@ -8136,7 +8203,7 @@
           <p:cNvPr id="20" name="矩形 19">
             <a:extLst>
               <a:ext uri="{FF2B5EF4-FFF2-40B4-BE49-F238E27FC236}">
-                <a16:creationId xmlns:a16="http://schemas.microsoft.com/office/drawing/2014/main" xmlns="" id="{FE6CE1C5-47F9-4C6E-AD3F-D63883C9C6D1}"/>
+                <a16:creationId xmlns="" xmlns:a16="http://schemas.microsoft.com/office/drawing/2014/main" id="{FE6CE1C5-47F9-4C6E-AD3F-D63883C9C6D1}"/>
               </a:ext>
             </a:extLst>
           </p:cNvPr>
@@ -8180,7 +8247,7 @@
           <p:cNvPr id="21" name="椭圆 20">
             <a:extLst>
               <a:ext uri="{FF2B5EF4-FFF2-40B4-BE49-F238E27FC236}">
-                <a16:creationId xmlns:a16="http://schemas.microsoft.com/office/drawing/2014/main" xmlns="" id="{E7603584-2625-48C8-8AE6-25BBFB217C07}"/>
+                <a16:creationId xmlns="" xmlns:a16="http://schemas.microsoft.com/office/drawing/2014/main" id="{E7603584-2625-48C8-8AE6-25BBFB217C07}"/>
               </a:ext>
             </a:extLst>
           </p:cNvPr>
@@ -8239,7 +8306,7 @@
           <p:cNvPr id="22" name="椭圆 21">
             <a:extLst>
               <a:ext uri="{FF2B5EF4-FFF2-40B4-BE49-F238E27FC236}">
-                <a16:creationId xmlns:a16="http://schemas.microsoft.com/office/drawing/2014/main" xmlns="" id="{E7603584-2625-48C8-8AE6-25BBFB217C07}"/>
+                <a16:creationId xmlns="" xmlns:a16="http://schemas.microsoft.com/office/drawing/2014/main" id="{E7603584-2625-48C8-8AE6-25BBFB217C07}"/>
               </a:ext>
             </a:extLst>
           </p:cNvPr>
@@ -8298,7 +8365,7 @@
           <p:cNvPr id="23" name="椭圆 22">
             <a:extLst>
               <a:ext uri="{FF2B5EF4-FFF2-40B4-BE49-F238E27FC236}">
-                <a16:creationId xmlns:a16="http://schemas.microsoft.com/office/drawing/2014/main" xmlns="" id="{E7603584-2625-48C8-8AE6-25BBFB217C07}"/>
+                <a16:creationId xmlns="" xmlns:a16="http://schemas.microsoft.com/office/drawing/2014/main" id="{E7603584-2625-48C8-8AE6-25BBFB217C07}"/>
               </a:ext>
             </a:extLst>
           </p:cNvPr>
@@ -8357,7 +8424,7 @@
           <p:cNvPr id="24" name="矩形 23">
             <a:extLst>
               <a:ext uri="{FF2B5EF4-FFF2-40B4-BE49-F238E27FC236}">
-                <a16:creationId xmlns:a16="http://schemas.microsoft.com/office/drawing/2014/main" xmlns="" id="{FE6CE1C5-47F9-4C6E-AD3F-D63883C9C6D1}"/>
+                <a16:creationId xmlns="" xmlns:a16="http://schemas.microsoft.com/office/drawing/2014/main" id="{FE6CE1C5-47F9-4C6E-AD3F-D63883C9C6D1}"/>
               </a:ext>
             </a:extLst>
           </p:cNvPr>
@@ -8410,7 +8477,7 @@
           <p:cNvPr id="25" name="矩形 24">
             <a:extLst>
               <a:ext uri="{FF2B5EF4-FFF2-40B4-BE49-F238E27FC236}">
-                <a16:creationId xmlns:a16="http://schemas.microsoft.com/office/drawing/2014/main" xmlns="" id="{FE6CE1C5-47F9-4C6E-AD3F-D63883C9C6D1}"/>
+                <a16:creationId xmlns="" xmlns:a16="http://schemas.microsoft.com/office/drawing/2014/main" id="{FE6CE1C5-47F9-4C6E-AD3F-D63883C9C6D1}"/>
               </a:ext>
             </a:extLst>
           </p:cNvPr>
@@ -8463,7 +8530,7 @@
           <p:cNvPr id="26" name="矩形 25">
             <a:extLst>
               <a:ext uri="{FF2B5EF4-FFF2-40B4-BE49-F238E27FC236}">
-                <a16:creationId xmlns:a16="http://schemas.microsoft.com/office/drawing/2014/main" xmlns="" id="{FE6CE1C5-47F9-4C6E-AD3F-D63883C9C6D1}"/>
+                <a16:creationId xmlns="" xmlns:a16="http://schemas.microsoft.com/office/drawing/2014/main" id="{FE6CE1C5-47F9-4C6E-AD3F-D63883C9C6D1}"/>
               </a:ext>
             </a:extLst>
           </p:cNvPr>
@@ -8516,7 +8583,7 @@
           <p:cNvPr id="27" name="矩形 26">
             <a:extLst>
               <a:ext uri="{FF2B5EF4-FFF2-40B4-BE49-F238E27FC236}">
-                <a16:creationId xmlns:a16="http://schemas.microsoft.com/office/drawing/2014/main" xmlns="" id="{FE6CE1C5-47F9-4C6E-AD3F-D63883C9C6D1}"/>
+                <a16:creationId xmlns="" xmlns:a16="http://schemas.microsoft.com/office/drawing/2014/main" id="{FE6CE1C5-47F9-4C6E-AD3F-D63883C9C6D1}"/>
               </a:ext>
             </a:extLst>
           </p:cNvPr>
@@ -8964,7 +9031,7 @@
           <p:cNvPr id="39" name="矩形 38">
             <a:extLst>
               <a:ext uri="{FF2B5EF4-FFF2-40B4-BE49-F238E27FC236}">
-                <a16:creationId xmlns:a16="http://schemas.microsoft.com/office/drawing/2014/main" xmlns="" id="{FE6CE1C5-47F9-4C6E-AD3F-D63883C9C6D1}"/>
+                <a16:creationId xmlns="" xmlns:a16="http://schemas.microsoft.com/office/drawing/2014/main" id="{FE6CE1C5-47F9-4C6E-AD3F-D63883C9C6D1}"/>
               </a:ext>
             </a:extLst>
           </p:cNvPr>
@@ -9017,7 +9084,7 @@
           <p:cNvPr id="40" name="矩形 39">
             <a:extLst>
               <a:ext uri="{FF2B5EF4-FFF2-40B4-BE49-F238E27FC236}">
-                <a16:creationId xmlns:a16="http://schemas.microsoft.com/office/drawing/2014/main" xmlns="" id="{FE6CE1C5-47F9-4C6E-AD3F-D63883C9C6D1}"/>
+                <a16:creationId xmlns="" xmlns:a16="http://schemas.microsoft.com/office/drawing/2014/main" id="{FE6CE1C5-47F9-4C6E-AD3F-D63883C9C6D1}"/>
               </a:ext>
             </a:extLst>
           </p:cNvPr>
@@ -9222,7 +9289,7 @@
           <p:cNvPr id="45" name="矩形 44">
             <a:extLst>
               <a:ext uri="{FF2B5EF4-FFF2-40B4-BE49-F238E27FC236}">
-                <a16:creationId xmlns:a16="http://schemas.microsoft.com/office/drawing/2014/main" xmlns="" id="{FE6CE1C5-47F9-4C6E-AD3F-D63883C9C6D1}"/>
+                <a16:creationId xmlns="" xmlns:a16="http://schemas.microsoft.com/office/drawing/2014/main" id="{FE6CE1C5-47F9-4C6E-AD3F-D63883C9C6D1}"/>
               </a:ext>
             </a:extLst>
           </p:cNvPr>
@@ -9275,7 +9342,7 @@
           <p:cNvPr id="46" name="矩形 45">
             <a:extLst>
               <a:ext uri="{FF2B5EF4-FFF2-40B4-BE49-F238E27FC236}">
-                <a16:creationId xmlns:a16="http://schemas.microsoft.com/office/drawing/2014/main" xmlns="" id="{FE6CE1C5-47F9-4C6E-AD3F-D63883C9C6D1}"/>
+                <a16:creationId xmlns="" xmlns:a16="http://schemas.microsoft.com/office/drawing/2014/main" id="{FE6CE1C5-47F9-4C6E-AD3F-D63883C9C6D1}"/>
               </a:ext>
             </a:extLst>
           </p:cNvPr>
@@ -11302,7 +11369,7 @@
           <a:blip r:embed="rId4">
             <a:extLst>
               <a:ext uri="{96DAC541-7B7A-43D3-8B79-37D633B846F1}">
-                <asvg:svgBlip xmlns="" xmlns:asvg="http://schemas.microsoft.com/office/drawing/2016/SVG/main" r:embed="rId5"/>
+                <asvg:svgBlip xmlns:asvg="http://schemas.microsoft.com/office/drawing/2016/SVG/main" xmlns="" r:embed="rId5"/>
               </a:ext>
             </a:extLst>
           </a:blip>
@@ -11332,7 +11399,7 @@
           <a:blip r:embed="rId4">
             <a:extLst>
               <a:ext uri="{96DAC541-7B7A-43D3-8B79-37D633B846F1}">
-                <asvg:svgBlip xmlns="" xmlns:asvg="http://schemas.microsoft.com/office/drawing/2016/SVG/main" r:embed="rId5"/>
+                <asvg:svgBlip xmlns:asvg="http://schemas.microsoft.com/office/drawing/2016/SVG/main" xmlns="" r:embed="rId5"/>
               </a:ext>
             </a:extLst>
           </a:blip>
@@ -11362,7 +11429,7 @@
           <a:blip r:embed="rId4">
             <a:extLst>
               <a:ext uri="{96DAC541-7B7A-43D3-8B79-37D633B846F1}">
-                <asvg:svgBlip xmlns="" xmlns:asvg="http://schemas.microsoft.com/office/drawing/2016/SVG/main" r:embed="rId5"/>
+                <asvg:svgBlip xmlns:asvg="http://schemas.microsoft.com/office/drawing/2016/SVG/main" xmlns="" r:embed="rId5"/>
               </a:ext>
             </a:extLst>
           </a:blip>
@@ -12748,7 +12815,7 @@
           <a:blip r:embed="rId4">
             <a:extLst>
               <a:ext uri="{96DAC541-7B7A-43D3-8B79-37D633B846F1}">
-                <asvg:svgBlip xmlns="" xmlns:asvg="http://schemas.microsoft.com/office/drawing/2016/SVG/main" r:embed="rId5"/>
+                <asvg:svgBlip xmlns:asvg="http://schemas.microsoft.com/office/drawing/2016/SVG/main" xmlns="" r:embed="rId5"/>
               </a:ext>
             </a:extLst>
           </a:blip>
@@ -12778,7 +12845,7 @@
           <a:blip r:embed="rId4">
             <a:extLst>
               <a:ext uri="{96DAC541-7B7A-43D3-8B79-37D633B846F1}">
-                <asvg:svgBlip xmlns="" xmlns:asvg="http://schemas.microsoft.com/office/drawing/2016/SVG/main" r:embed="rId5"/>
+                <asvg:svgBlip xmlns:asvg="http://schemas.microsoft.com/office/drawing/2016/SVG/main" xmlns="" r:embed="rId5"/>
               </a:ext>
             </a:extLst>
           </a:blip>
@@ -12804,7 +12871,7 @@
         </p:nvSpPr>
         <p:spPr>
           <a:xfrm>
-            <a:off x="675472" y="6129610"/>
+            <a:off x="675471" y="6013104"/>
             <a:ext cx="10013146" cy="646331"/>
           </a:xfrm>
           <a:prstGeom prst="rect">
@@ -14424,7 +14491,7 @@
           <a:blip r:embed="rId4">
             <a:extLst>
               <a:ext uri="{96DAC541-7B7A-43D3-8B79-37D633B846F1}">
-                <asvg:svgBlip xmlns="" xmlns:asvg="http://schemas.microsoft.com/office/drawing/2016/SVG/main" r:embed="rId5"/>
+                <asvg:svgBlip xmlns:asvg="http://schemas.microsoft.com/office/drawing/2016/SVG/main" xmlns="" r:embed="rId5"/>
               </a:ext>
             </a:extLst>
           </a:blip>
@@ -14454,7 +14521,7 @@
           <a:blip r:embed="rId4">
             <a:extLst>
               <a:ext uri="{96DAC541-7B7A-43D3-8B79-37D633B846F1}">
-                <asvg:svgBlip xmlns="" xmlns:asvg="http://schemas.microsoft.com/office/drawing/2016/SVG/main" r:embed="rId5"/>
+                <asvg:svgBlip xmlns:asvg="http://schemas.microsoft.com/office/drawing/2016/SVG/main" xmlns="" r:embed="rId5"/>
               </a:ext>
             </a:extLst>
           </a:blip>
@@ -14506,23 +14573,23 @@
               <a:t>]</a:t>
             </a:r>
             <a:r>
-              <a:rPr lang="en-US" altLang="zh-CN" sz="1200" i="1" dirty="0"/>
+              <a:rPr lang="en-US" altLang="zh-CN" sz="1200" dirty="0"/>
               <a:t> Chunhui Jiang, </a:t>
             </a:r>
             <a:r>
-              <a:rPr lang="en-US" altLang="zh-CN" sz="1200" i="1" dirty="0" err="1"/>
+              <a:rPr lang="en-US" altLang="zh-CN" sz="1200" dirty="0" err="1"/>
               <a:t>Guiying</a:t>
             </a:r>
             <a:r>
-              <a:rPr lang="en-US" altLang="zh-CN" sz="1200" i="1" dirty="0"/>
+              <a:rPr lang="en-US" altLang="zh-CN" sz="1200" dirty="0"/>
               <a:t> Li, Chao Qian, and </a:t>
             </a:r>
             <a:r>
-              <a:rPr lang="en-US" altLang="zh-CN" sz="1200" i="1" dirty="0" err="1"/>
+              <a:rPr lang="en-US" altLang="zh-CN" sz="1200" dirty="0" err="1"/>
               <a:t>Ke</a:t>
             </a:r>
             <a:r>
-              <a:rPr lang="en-US" altLang="zh-CN" sz="1200" i="1" dirty="0"/>
+              <a:rPr lang="en-US" altLang="zh-CN" sz="1200" dirty="0"/>
               <a:t> Tang. 2018. Efficient DNN neuron pruning by minimizing layer-wise nonlinear reconstruction error. In Proceedings of the 27th International Joint Conference on Artificial Intelligence (IJCAI'18). AAAI Press, 2298–2304.</a:t>
             </a:r>
             <a:endParaRPr lang="zh-CN" altLang="en-US" sz="1200" dirty="0"/>
@@ -16809,7 +16876,7 @@
           <a:blip r:embed="rId4">
             <a:extLst>
               <a:ext uri="{96DAC541-7B7A-43D3-8B79-37D633B846F1}">
-                <asvg:svgBlip xmlns="" xmlns:asvg="http://schemas.microsoft.com/office/drawing/2016/SVG/main" r:embed="rId5"/>
+                <asvg:svgBlip xmlns:asvg="http://schemas.microsoft.com/office/drawing/2016/SVG/main" xmlns="" r:embed="rId5"/>
               </a:ext>
             </a:extLst>
           </a:blip>
@@ -16862,15 +16929,7 @@
             </a:r>
             <a:r>
               <a:rPr lang="en-US" altLang="zh-CN" sz="1200" dirty="0"/>
-              <a:t>: An approximate computing framework for artificial neural network," </a:t>
-            </a:r>
-            <a:r>
-              <a:rPr lang="en-US" altLang="zh-CN" sz="1200" i="1" dirty="0"/>
-              <a:t>2015 Design, Automation &amp; Test in Europe Conference &amp; Exhibition (DATE)</a:t>
-            </a:r>
-            <a:r>
-              <a:rPr lang="en-US" altLang="zh-CN" sz="1200" dirty="0"/>
-              <a:t>, 2015, pp. 701-706.</a:t>
+              <a:t>: An approximate computing framework for artificial neural network," 2015 Design, Automation &amp; Test in Europe Conference &amp; Exhibition (DATE), 2015, pp. 701-706.</a:t>
             </a:r>
           </a:p>
         </p:txBody>
@@ -17305,18 +17364,11 @@
           <a:p>
             <a:pPr lvl="1"/>
             <a:r>
-              <a:rPr lang="zh-CN" altLang="en-US" smtClean="0">
-                <a:latin typeface="Cambria Math" panose="02040503050406030204" pitchFamily="18" charset="0"/>
-                <a:cs typeface="Cambria Math" panose="02040503050406030204" pitchFamily="18" charset="0"/>
-              </a:rPr>
-              <a:t>网络剪枝</a:t>
-            </a:r>
-            <a:r>
               <a:rPr lang="zh-CN" altLang="en-US" dirty="0" smtClean="0">
                 <a:latin typeface="Cambria Math" panose="02040503050406030204" pitchFamily="18" charset="0"/>
                 <a:cs typeface="Cambria Math" panose="02040503050406030204" pitchFamily="18" charset="0"/>
               </a:rPr>
-              <a:t>使用阈值控制</a:t>
+              <a:t>网络剪枝使用阈值控制</a:t>
             </a:r>
             <a:r>
               <a:rPr lang="en-US" altLang="zh-CN" dirty="0" smtClean="0">
@@ -17355,6 +17407,20 @@
                 <a:cs typeface="Cambria Math" panose="02040503050406030204" pitchFamily="18" charset="0"/>
               </a:rPr>
               <a:t>缺少的数据？</a:t>
+            </a:r>
+            <a:endParaRPr lang="en-US" altLang="zh-CN" dirty="0" smtClean="0">
+              <a:latin typeface="Cambria Math" panose="02040503050406030204" pitchFamily="18" charset="0"/>
+              <a:cs typeface="Cambria Math" panose="02040503050406030204" pitchFamily="18" charset="0"/>
+            </a:endParaRPr>
+          </a:p>
+          <a:p>
+            <a:pPr lvl="1"/>
+            <a:r>
+              <a:rPr lang="zh-CN" altLang="en-US" dirty="0" smtClean="0">
+                <a:latin typeface="Cambria Math" panose="02040503050406030204" pitchFamily="18" charset="0"/>
+                <a:cs typeface="Cambria Math" panose="02040503050406030204" pitchFamily="18" charset="0"/>
+              </a:rPr>
+              <a:t>论文翻译</a:t>
             </a:r>
             <a:endParaRPr lang="en-US" altLang="zh-CN" dirty="0" smtClean="0">
               <a:latin typeface="Cambria Math" panose="02040503050406030204" pitchFamily="18" charset="0"/>
@@ -17430,7 +17496,7 @@
           <a:blip r:embed="rId3">
             <a:extLst>
               <a:ext uri="{96DAC541-7B7A-43D3-8B79-37D633B846F1}">
-                <asvg:svgBlip xmlns:asvg="http://schemas.microsoft.com/office/drawing/2016/SVG/main" xmlns="" r:embed="rId5"/>
+                <asvg:svgBlip xmlns="" xmlns:asvg="http://schemas.microsoft.com/office/drawing/2016/SVG/main" r:embed="rId5"/>
               </a:ext>
             </a:extLst>
           </a:blip>
@@ -17460,7 +17526,7 @@
           <a:blip r:embed="rId3">
             <a:extLst>
               <a:ext uri="{96DAC541-7B7A-43D3-8B79-37D633B846F1}">
-                <asvg:svgBlip xmlns:asvg="http://schemas.microsoft.com/office/drawing/2016/SVG/main" xmlns="" r:embed="rId5"/>
+                <asvg:svgBlip xmlns="" xmlns:asvg="http://schemas.microsoft.com/office/drawing/2016/SVG/main" r:embed="rId5"/>
               </a:ext>
             </a:extLst>
           </a:blip>
@@ -17478,6 +17544,73 @@
           </a:prstGeom>
         </p:spPr>
       </p:pic>
+      <p:pic>
+        <p:nvPicPr>
+          <p:cNvPr id="3" name="图片 2"/>
+          <p:cNvPicPr>
+            <a:picLocks noChangeAspect="1"/>
+          </p:cNvPicPr>
+          <p:nvPr/>
+        </p:nvPicPr>
+        <p:blipFill>
+          <a:blip r:embed="rId6"/>
+          <a:stretch>
+            <a:fillRect/>
+          </a:stretch>
+        </p:blipFill>
+        <p:spPr>
+          <a:xfrm>
+            <a:off x="4321971" y="4093018"/>
+            <a:ext cx="4625741" cy="2263336"/>
+          </a:xfrm>
+          <a:prstGeom prst="rect">
+            <a:avLst/>
+          </a:prstGeom>
+        </p:spPr>
+      </p:pic>
+      <p:sp>
+        <p:nvSpPr>
+          <p:cNvPr id="8" name="文本框 7"/>
+          <p:cNvSpPr txBox="1"/>
+          <p:nvPr/>
+        </p:nvSpPr>
+        <p:spPr>
+          <a:xfrm>
+            <a:off x="5023439" y="6352147"/>
+            <a:ext cx="4143454" cy="369332"/>
+          </a:xfrm>
+          <a:prstGeom prst="rect">
+            <a:avLst/>
+          </a:prstGeom>
+          <a:noFill/>
+        </p:spPr>
+        <p:txBody>
+          <a:bodyPr wrap="square" rtlCol="0">
+            <a:spAutoFit/>
+          </a:bodyPr>
+          <a:lstStyle/>
+          <a:p>
+            <a:r>
+              <a:rPr lang="en-US" altLang="zh-CN" dirty="0" smtClean="0"/>
+              <a:t>Fig. dropout </a:t>
+            </a:r>
+            <a:r>
+              <a:rPr lang="zh-CN" altLang="en-US" dirty="0" smtClean="0"/>
+              <a:t>的实现</a:t>
+            </a:r>
+            <a:endParaRPr lang="zh-CN" altLang="en-US" sz="2400" baseline="30000" dirty="0">
+              <a:solidFill>
+                <a:schemeClr val="dk1">
+                  <a:hueOff val="0"/>
+                  <a:satOff val="0"/>
+                  <a:lumOff val="0"/>
+                  <a:alphaOff val="0"/>
+                </a:schemeClr>
+              </a:solidFill>
+            </a:endParaRPr>
+          </a:p>
+        </p:txBody>
+      </p:sp>
     </p:spTree>
     <p:extLst>
       <p:ext uri="{BB962C8B-B14F-4D97-AF65-F5344CB8AC3E}">
@@ -17995,7 +18128,7 @@
           <a:blip r:embed="rId4">
             <a:extLst>
               <a:ext uri="{96DAC541-7B7A-43D3-8B79-37D633B846F1}">
-                <asvg:svgBlip xmlns="" xmlns:asvg="http://schemas.microsoft.com/office/drawing/2016/SVG/main" r:embed="rId5"/>
+                <asvg:svgBlip xmlns:asvg="http://schemas.microsoft.com/office/drawing/2016/SVG/main" xmlns="" r:embed="rId5"/>
               </a:ext>
             </a:extLst>
           </a:blip>
@@ -18025,7 +18158,7 @@
           <a:blip r:embed="rId4">
             <a:extLst>
               <a:ext uri="{96DAC541-7B7A-43D3-8B79-37D633B846F1}">
-                <asvg:svgBlip xmlns="" xmlns:asvg="http://schemas.microsoft.com/office/drawing/2016/SVG/main" r:embed="rId5"/>
+                <asvg:svgBlip xmlns:asvg="http://schemas.microsoft.com/office/drawing/2016/SVG/main" xmlns="" r:embed="rId5"/>
               </a:ext>
             </a:extLst>
           </a:blip>
@@ -18121,8 +18254,8 @@
         </p:blipFill>
         <p:spPr>
           <a:xfrm>
-            <a:off x="7253892" y="323561"/>
-            <a:ext cx="4566275" cy="2991698"/>
+            <a:off x="7239573" y="527144"/>
+            <a:ext cx="4769770" cy="3125023"/>
           </a:xfrm>
           <a:prstGeom prst="rect">
             <a:avLst/>
@@ -18137,7 +18270,7 @@
         </p:nvSpPr>
         <p:spPr>
           <a:xfrm>
-            <a:off x="7569785" y="3297178"/>
+            <a:off x="7794495" y="3718652"/>
             <a:ext cx="4397505" cy="369332"/>
           </a:xfrm>
           <a:prstGeom prst="rect">
@@ -18251,8 +18384,8 @@
         </p:blipFill>
         <p:spPr>
           <a:xfrm>
-            <a:off x="7865740" y="3759617"/>
-            <a:ext cx="3954427" cy="1772674"/>
+            <a:off x="8009882" y="4120919"/>
+            <a:ext cx="3999461" cy="1792862"/>
           </a:xfrm>
           <a:prstGeom prst="rect">
             <a:avLst/>
@@ -18267,7 +18400,7 @@
         </p:nvSpPr>
         <p:spPr>
           <a:xfrm>
-            <a:off x="8361533" y="5505563"/>
+            <a:off x="8353520" y="5877362"/>
             <a:ext cx="4143454" cy="369332"/>
           </a:xfrm>
           <a:prstGeom prst="rect">
@@ -18542,7 +18675,7 @@
         </p:blipFill>
         <p:spPr>
           <a:xfrm>
-            <a:off x="1150439" y="2205989"/>
+            <a:off x="1203111" y="2347021"/>
             <a:ext cx="4433638" cy="2806779"/>
           </a:xfrm>
           <a:prstGeom prst="rect">
@@ -18695,7 +18828,7 @@
         </p:nvSpPr>
         <p:spPr>
           <a:xfrm>
-            <a:off x="1585259" y="5056830"/>
+            <a:off x="1493295" y="5095512"/>
             <a:ext cx="4143454" cy="461665"/>
           </a:xfrm>
           <a:prstGeom prst="rect">
@@ -18924,22 +19057,12 @@
               <a:buNone/>
             </a:pPr>
             <a:r>
-              <a:rPr lang="en-US" altLang="zh-CN" sz="2000" dirty="0" smtClean="0">
+              <a:rPr lang="en-US" altLang="zh-CN" sz="2800" dirty="0">
                 <a:latin typeface="微软雅黑" panose="020B0503020204020204" pitchFamily="34" charset="-122"/>
                 <a:ea typeface="微软雅黑" panose="020B0503020204020204" pitchFamily="34" charset="-122"/>
               </a:rPr>
-              <a:t>* </a:t>
-            </a:r>
-            <a:r>
-              <a:rPr lang="en-US" altLang="zh-CN" sz="2000" dirty="0">
-                <a:latin typeface="微软雅黑" panose="020B0503020204020204" pitchFamily="34" charset="-122"/>
-                <a:ea typeface="微软雅黑" panose="020B0503020204020204" pitchFamily="34" charset="-122"/>
-              </a:rPr>
-              <a:t>Inter-chip data</a:t>
-            </a:r>
-            <a:endParaRPr lang="en-US" altLang="zh-CN" sz="3200" i="1" dirty="0">
-              <a:latin typeface="Cambria Math" panose="02040503050406030204" pitchFamily="18" charset="0"/>
-            </a:endParaRPr>
+              <a:t>* Inter-chip data</a:t>
+            </a:r>
           </a:p>
           <a:p>
             <a:pPr marL="457200" lvl="1" indent="0">
@@ -18991,7 +19114,7 @@
           <a:blip r:embed="rId4">
             <a:extLst>
               <a:ext uri="{96DAC541-7B7A-43D3-8B79-37D633B846F1}">
-                <asvg:svgBlip xmlns="" xmlns:asvg="http://schemas.microsoft.com/office/drawing/2016/SVG/main" r:embed="rId5"/>
+                <asvg:svgBlip xmlns:asvg="http://schemas.microsoft.com/office/drawing/2016/SVG/main" xmlns="" r:embed="rId5"/>
               </a:ext>
             </a:extLst>
           </a:blip>
@@ -19041,8 +19164,8 @@
         </p:nvSpPr>
         <p:spPr>
           <a:xfrm>
-            <a:off x="6697203" y="1047610"/>
-            <a:ext cx="3927357" cy="430887"/>
+            <a:off x="6225507" y="1125373"/>
+            <a:ext cx="4138954" cy="430887"/>
           </a:xfrm>
           <a:prstGeom prst="rect">
             <a:avLst/>
@@ -19062,7 +19185,7 @@
               <a:rPr lang="en-US" altLang="zh-CN" sz="2200" dirty="0" smtClean="0">
                 <a:latin typeface="Cambria Math" panose="02040503050406030204" pitchFamily="18" charset="0"/>
               </a:rPr>
-              <a:t>Energy per bit: 0.4pJ/bit</a:t>
+              <a:t>Energy per bit: &lt;0.4pJ/bit</a:t>
             </a:r>
             <a:endParaRPr lang="en-US" altLang="zh-CN" sz="2200" dirty="0">
               <a:latin typeface="Cambria Math" panose="02040503050406030204" pitchFamily="18" charset="0"/>
@@ -19227,7 +19350,7 @@
         </p:nvSpPr>
         <p:spPr>
           <a:xfrm>
-            <a:off x="797876" y="1058495"/>
+            <a:off x="885878" y="952821"/>
             <a:ext cx="5244109" cy="4698005"/>
           </a:xfrm>
           <a:prstGeom prst="rect">
@@ -19407,22 +19530,12 @@
               <a:buNone/>
             </a:pPr>
             <a:r>
-              <a:rPr lang="en-US" altLang="zh-CN" sz="2000" dirty="0" smtClean="0">
+              <a:rPr lang="en-US" altLang="zh-CN" sz="2800" dirty="0">
                 <a:latin typeface="微软雅黑" panose="020B0503020204020204" pitchFamily="34" charset="-122"/>
                 <a:ea typeface="微软雅黑" panose="020B0503020204020204" pitchFamily="34" charset="-122"/>
               </a:rPr>
-              <a:t>* </a:t>
-            </a:r>
-            <a:r>
-              <a:rPr lang="en-US" altLang="zh-CN" sz="2000" dirty="0">
-                <a:latin typeface="微软雅黑" panose="020B0503020204020204" pitchFamily="34" charset="-122"/>
-                <a:ea typeface="微软雅黑" panose="020B0503020204020204" pitchFamily="34" charset="-122"/>
-              </a:rPr>
-              <a:t>Inter-chip data</a:t>
-            </a:r>
-            <a:endParaRPr lang="en-US" altLang="zh-CN" sz="3200" i="1" dirty="0">
-              <a:latin typeface="Cambria Math" panose="02040503050406030204" pitchFamily="18" charset="0"/>
-            </a:endParaRPr>
+              <a:t>* Inter-chip data</a:t>
+            </a:r>
           </a:p>
           <a:p>
             <a:pPr marL="457200" lvl="1" indent="0">
@@ -19439,6 +19552,59 @@
                 <a:latin typeface="Cambria Math" panose="02040503050406030204" pitchFamily="18" charset="0"/>
               </a:rPr>
               <a:t>)</a:t>
+            </a:r>
+          </a:p>
+          <a:p>
+            <a:pPr marL="457200" lvl="1" indent="0">
+              <a:buNone/>
+            </a:pPr>
+            <a:r>
+              <a:rPr lang="en-US" altLang="zh-CN" sz="2200" dirty="0" smtClean="0">
+                <a:latin typeface="Cambria Math" panose="02040503050406030204" pitchFamily="18" charset="0"/>
+              </a:rPr>
+              <a:t>=</a:t>
+            </a:r>
+            <a:r>
+              <a:rPr lang="zh-CN" altLang="en-US" sz="2200" dirty="0" smtClean="0">
+                <a:latin typeface="Cambria Math" panose="02040503050406030204" pitchFamily="18" charset="0"/>
+              </a:rPr>
+              <a:t>打包</a:t>
+            </a:r>
+            <a:r>
+              <a:rPr lang="en-US" altLang="zh-CN" sz="2200" dirty="0" smtClean="0">
+                <a:latin typeface="Cambria Math" panose="02040503050406030204" pitchFamily="18" charset="0"/>
+              </a:rPr>
+              <a:t>/</a:t>
+            </a:r>
+            <a:r>
+              <a:rPr lang="zh-CN" altLang="en-US" sz="2200" dirty="0" smtClean="0">
+                <a:latin typeface="Cambria Math" panose="02040503050406030204" pitchFamily="18" charset="0"/>
+              </a:rPr>
+              <a:t>解包</a:t>
+            </a:r>
+            <a:r>
+              <a:rPr lang="en-US" altLang="zh-CN" sz="2200" dirty="0" smtClean="0">
+                <a:latin typeface="Cambria Math" panose="02040503050406030204" pitchFamily="18" charset="0"/>
+              </a:rPr>
+              <a:t>+</a:t>
+            </a:r>
+            <a:r>
+              <a:rPr lang="zh-CN" altLang="en-US" sz="2200" dirty="0" smtClean="0">
+                <a:latin typeface="Cambria Math" panose="02040503050406030204" pitchFamily="18" charset="0"/>
+              </a:rPr>
+              <a:t>传输</a:t>
+            </a:r>
+            <a:r>
+              <a:rPr lang="en-US" altLang="zh-CN" sz="2200" dirty="0" smtClean="0">
+                <a:latin typeface="Cambria Math" panose="02040503050406030204" pitchFamily="18" charset="0"/>
+              </a:rPr>
+              <a:t>+</a:t>
+            </a:r>
+            <a:r>
+              <a:rPr lang="zh-CN" altLang="en-US" sz="2200" dirty="0" smtClean="0">
+                <a:latin typeface="Cambria Math" panose="02040503050406030204" pitchFamily="18" charset="0"/>
+              </a:rPr>
+              <a:t>收发延迟</a:t>
             </a:r>
             <a:endParaRPr lang="en-US" altLang="zh-CN" sz="2200" dirty="0">
               <a:latin typeface="Cambria Math" panose="02040503050406030204" pitchFamily="18" charset="0"/>
@@ -19447,16 +19613,67 @@
           <a:p>
             <a:pPr lvl="1"/>
             <a:r>
-              <a:rPr lang="en-US" altLang="zh-CN" sz="2200" dirty="0">
+              <a:rPr lang="zh-CN" altLang="en-US" sz="1800" dirty="0" smtClean="0">
                 <a:latin typeface="Cambria Math" panose="02040503050406030204" pitchFamily="18" charset="0"/>
               </a:rPr>
-              <a:t>L1-L2 7.2ns(1.25GHz)</a:t>
+              <a:t>收发延迟 </a:t>
+            </a:r>
+            <a:r>
+              <a:rPr lang="en-US" altLang="zh-CN" sz="1800" dirty="0" smtClean="0">
+                <a:latin typeface="Cambria Math" panose="02040503050406030204" pitchFamily="18" charset="0"/>
+              </a:rPr>
+              <a:t>from </a:t>
+            </a:r>
+            <a:r>
+              <a:rPr lang="en-US" altLang="zh-CN" sz="1800" dirty="0" err="1" smtClean="0">
+                <a:latin typeface="Cambria Math" panose="02040503050406030204" pitchFamily="18" charset="0"/>
+              </a:rPr>
+              <a:t>UCIe</a:t>
+            </a:r>
+            <a:r>
+              <a:rPr lang="zh-CN" altLang="en-US" sz="1800" dirty="0">
+                <a:latin typeface="Cambria Math" panose="02040503050406030204" pitchFamily="18" charset="0"/>
+              </a:rPr>
+              <a:t>：</a:t>
+            </a:r>
+            <a:r>
+              <a:rPr lang="en-US" altLang="zh-CN" sz="1800" dirty="0" err="1" smtClean="0">
+                <a:latin typeface="Cambria Math" panose="02040503050406030204" pitchFamily="18" charset="0"/>
+              </a:rPr>
+              <a:t>Tx+Rx</a:t>
+            </a:r>
+            <a:r>
+              <a:rPr lang="en-US" altLang="zh-CN" sz="1800" dirty="0" smtClean="0">
+                <a:latin typeface="Cambria Math" panose="02040503050406030204" pitchFamily="18" charset="0"/>
+              </a:rPr>
+              <a:t> &lt; 2ns</a:t>
             </a:r>
           </a:p>
           <a:p>
             <a:pPr lvl="1"/>
             <a:r>
-              <a:rPr lang="en-US" altLang="zh-CN" sz="2200" dirty="0">
+              <a:rPr lang="zh-CN" altLang="en-US" sz="1800" dirty="0" smtClean="0">
+                <a:latin typeface="Cambria Math" panose="02040503050406030204" pitchFamily="18" charset="0"/>
+              </a:rPr>
+              <a:t>传输：</a:t>
+            </a:r>
+            <a:r>
+              <a:rPr lang="en-US" altLang="zh-CN" sz="1800" dirty="0" smtClean="0">
+                <a:latin typeface="Cambria Math" panose="02040503050406030204" pitchFamily="18" charset="0"/>
+              </a:rPr>
+              <a:t>L1-L2 </a:t>
+            </a:r>
+            <a:r>
+              <a:rPr lang="en-US" altLang="zh-CN" sz="1800" dirty="0">
+                <a:latin typeface="Cambria Math" panose="02040503050406030204" pitchFamily="18" charset="0"/>
+              </a:rPr>
+              <a:t>7.2ns(1.25GHz)</a:t>
+            </a:r>
+          </a:p>
+          <a:p>
+            <a:pPr lvl="1"/>
+            <a:r>
+              <a:rPr lang="en-US" altLang="zh-CN" sz="1800" dirty="0">
                 <a:latin typeface="Cambria Math" panose="02040503050406030204" pitchFamily="18" charset="0"/>
               </a:rPr>
               <a:t>L2-L3 traffic 0.6ns/mm</a:t>
@@ -19502,7 +19719,7 @@
           <a:blip r:embed="rId3">
             <a:extLst>
               <a:ext uri="{96DAC541-7B7A-43D3-8B79-37D633B846F1}">
-                <asvg:svgBlip xmlns="" xmlns:asvg="http://schemas.microsoft.com/office/drawing/2016/SVG/main" r:embed="rId5"/>
+                <asvg:svgBlip xmlns:asvg="http://schemas.microsoft.com/office/drawing/2016/SVG/main" xmlns="" r:embed="rId5"/>
               </a:ext>
             </a:extLst>
           </a:blip>
@@ -19512,7 +19729,7 @@
         </p:blipFill>
         <p:spPr>
           <a:xfrm flipH="1">
-            <a:off x="907234" y="1417709"/>
+            <a:off x="968447" y="1429284"/>
             <a:ext cx="243205" cy="243205"/>
           </a:xfrm>
           <a:prstGeom prst="rect">
@@ -19528,7 +19745,7 @@
         </p:nvSpPr>
         <p:spPr>
           <a:xfrm>
-            <a:off x="6354813" y="5741540"/>
+            <a:off x="6926313" y="5958650"/>
             <a:ext cx="5182109" cy="369332"/>
           </a:xfrm>
           <a:prstGeom prst="rect">
@@ -19544,11 +19761,7 @@
           <a:p>
             <a:r>
               <a:rPr lang="en-US" altLang="zh-CN" dirty="0" smtClean="0"/>
-              <a:t>Fig. information from </a:t>
-            </a:r>
-            <a:r>
-              <a:rPr lang="en-US" altLang="zh-CN" dirty="0" smtClean="0"/>
-              <a:t>ISSCC paper section 2.3</a:t>
+              <a:t>Fig. information from ISSCC paper section 2.3</a:t>
             </a:r>
             <a:endParaRPr lang="zh-CN" altLang="en-US" dirty="0"/>
           </a:p>
@@ -19570,7 +19783,7 @@
         </p:blipFill>
         <p:spPr>
           <a:xfrm>
-            <a:off x="5321473" y="865091"/>
+            <a:off x="5892973" y="1108058"/>
             <a:ext cx="6215449" cy="4876449"/>
           </a:xfrm>
           <a:prstGeom prst="rect">
@@ -19578,6 +19791,87 @@
           </a:prstGeom>
         </p:spPr>
       </p:pic>
+      <p:pic>
+        <p:nvPicPr>
+          <p:cNvPr id="5" name="图片 4"/>
+          <p:cNvPicPr>
+            <a:picLocks noChangeAspect="1"/>
+          </p:cNvPicPr>
+          <p:nvPr/>
+        </p:nvPicPr>
+        <p:blipFill>
+          <a:blip r:embed="rId7"/>
+          <a:stretch>
+            <a:fillRect/>
+          </a:stretch>
+        </p:blipFill>
+        <p:spPr>
+          <a:xfrm>
+            <a:off x="1242484" y="3079934"/>
+            <a:ext cx="4069433" cy="586791"/>
+          </a:xfrm>
+          <a:prstGeom prst="rect">
+            <a:avLst/>
+          </a:prstGeom>
+        </p:spPr>
+      </p:pic>
+      <p:pic>
+        <p:nvPicPr>
+          <p:cNvPr id="6" name="图片 5"/>
+          <p:cNvPicPr>
+            <a:picLocks noChangeAspect="1"/>
+          </p:cNvPicPr>
+          <p:nvPr/>
+        </p:nvPicPr>
+        <p:blipFill rotWithShape="1">
+          <a:blip r:embed="rId8"/>
+          <a:srcRect t="9063"/>
+          <a:stretch/>
+        </p:blipFill>
+        <p:spPr>
+          <a:xfrm>
+            <a:off x="220730" y="3831151"/>
+            <a:ext cx="5755821" cy="2581295"/>
+          </a:xfrm>
+          <a:prstGeom prst="rect">
+            <a:avLst/>
+          </a:prstGeom>
+        </p:spPr>
+      </p:pic>
+      <p:sp>
+        <p:nvSpPr>
+          <p:cNvPr id="13" name="文本框 12"/>
+          <p:cNvSpPr txBox="1"/>
+          <p:nvPr/>
+        </p:nvSpPr>
+        <p:spPr>
+          <a:xfrm>
+            <a:off x="1744204" y="6327982"/>
+            <a:ext cx="5182109" cy="369332"/>
+          </a:xfrm>
+          <a:prstGeom prst="rect">
+            <a:avLst/>
+          </a:prstGeom>
+          <a:noFill/>
+        </p:spPr>
+        <p:txBody>
+          <a:bodyPr wrap="square" rtlCol="0">
+            <a:spAutoFit/>
+          </a:bodyPr>
+          <a:lstStyle/>
+          <a:p>
+            <a:r>
+              <a:rPr lang="en-US" altLang="zh-CN" dirty="0" smtClean="0"/>
+              <a:t>Fig. information from </a:t>
+            </a:r>
+            <a:r>
+              <a:rPr lang="en-US" altLang="zh-CN" dirty="0" err="1" smtClean="0"/>
+              <a:t>UCIe</a:t>
+            </a:r>
+            <a:endParaRPr lang="zh-CN" altLang="en-US" dirty="0"/>
+          </a:p>
+        </p:txBody>
+      </p:sp>
     </p:spTree>
     <p:extLst>
       <p:ext uri="{BB962C8B-B14F-4D97-AF65-F5344CB8AC3E}">
@@ -24338,6 +24632,711 @@
           <a:chExt cx="0" cy="0"/>
         </a:xfrm>
       </p:grpSpPr>
+      <p:sp>
+        <p:nvSpPr>
+          <p:cNvPr id="2" name="标题 1"/>
+          <p:cNvSpPr>
+            <a:spLocks noGrp="1"/>
+          </p:cNvSpPr>
+          <p:nvPr>
+            <p:ph type="title"/>
+          </p:nvPr>
+        </p:nvSpPr>
+        <p:spPr/>
+        <p:txBody>
+          <a:bodyPr/>
+          <a:lstStyle/>
+          <a:p>
+            <a:r>
+              <a:rPr lang="en-US" altLang="zh-CN" b="1" dirty="0" smtClean="0"/>
+              <a:t>Data for Constant Values</a:t>
+            </a:r>
+            <a:endParaRPr lang="zh-CN" altLang="en-US" b="1" dirty="0"/>
+          </a:p>
+        </p:txBody>
+      </p:sp>
+      <p:sp>
+        <p:nvSpPr>
+          <p:cNvPr id="11" name="灯片编号占位符 10"/>
+          <p:cNvSpPr>
+            <a:spLocks noGrp="1"/>
+          </p:cNvSpPr>
+          <p:nvPr>
+            <p:ph type="sldNum" sz="quarter" idx="12"/>
+          </p:nvPr>
+        </p:nvSpPr>
+        <p:spPr/>
+        <p:txBody>
+          <a:bodyPr/>
+          <a:lstStyle/>
+          <a:p>
+            <a:fld id="{C102C7BA-A18E-41F7-855F-B9281AA705A6}" type="slidenum">
+              <a:rPr lang="zh-CN" altLang="en-US" smtClean="0"/>
+              <a:t>20</a:t>
+            </a:fld>
+            <a:endParaRPr lang="zh-CN" altLang="en-US" dirty="0"/>
+          </a:p>
+        </p:txBody>
+      </p:sp>
+      <p:sp>
+        <p:nvSpPr>
+          <p:cNvPr id="18" name="内容占位符 2"/>
+          <p:cNvSpPr txBox="1">
+            <a:spLocks/>
+          </p:cNvSpPr>
+          <p:nvPr/>
+        </p:nvSpPr>
+        <p:spPr>
+          <a:xfrm>
+            <a:off x="797876" y="1058495"/>
+            <a:ext cx="5244109" cy="4698005"/>
+          </a:xfrm>
+          <a:prstGeom prst="rect">
+            <a:avLst/>
+          </a:prstGeom>
+        </p:spPr>
+        <p:txBody>
+          <a:bodyPr vert="horz" lIns="91440" tIns="45720" rIns="91440" bIns="45720" rtlCol="0">
+            <a:normAutofit/>
+          </a:bodyPr>
+          <a:lstStyle>
+            <a:lvl1pPr marL="228600" indent="-228600" algn="l" defTabSz="914400" rtl="0" eaLnBrk="1" latinLnBrk="0" hangingPunct="1">
+              <a:lnSpc>
+                <a:spcPct val="90000"/>
+              </a:lnSpc>
+              <a:spcBef>
+                <a:spcPts val="1000"/>
+              </a:spcBef>
+              <a:buFont typeface="Arial" panose="020B0604020202020204" pitchFamily="34" charset="0"/>
+              <a:buChar char="•"/>
+              <a:defRPr sz="2800" kern="1200">
+                <a:solidFill>
+                  <a:schemeClr val="tx1"/>
+                </a:solidFill>
+                <a:latin typeface="黑体" panose="02010609060101010101" pitchFamily="49" charset="-122"/>
+                <a:ea typeface="黑体" panose="02010609060101010101" pitchFamily="49" charset="-122"/>
+                <a:cs typeface="+mn-cs"/>
+              </a:defRPr>
+            </a:lvl1pPr>
+            <a:lvl2pPr marL="685800" indent="-228600" algn="l" defTabSz="914400" rtl="0" eaLnBrk="1" latinLnBrk="0" hangingPunct="1">
+              <a:lnSpc>
+                <a:spcPct val="90000"/>
+              </a:lnSpc>
+              <a:spcBef>
+                <a:spcPts val="500"/>
+              </a:spcBef>
+              <a:buFont typeface="Arial" panose="020B0604020202020204" pitchFamily="34" charset="0"/>
+              <a:buChar char="•"/>
+              <a:defRPr sz="2400" kern="1200">
+                <a:solidFill>
+                  <a:schemeClr val="tx1"/>
+                </a:solidFill>
+                <a:latin typeface="黑体" panose="02010609060101010101" pitchFamily="49" charset="-122"/>
+                <a:ea typeface="黑体" panose="02010609060101010101" pitchFamily="49" charset="-122"/>
+                <a:cs typeface="+mn-cs"/>
+              </a:defRPr>
+            </a:lvl2pPr>
+            <a:lvl3pPr marL="1143000" indent="-228600" algn="l" defTabSz="914400" rtl="0" eaLnBrk="1" latinLnBrk="0" hangingPunct="1">
+              <a:lnSpc>
+                <a:spcPct val="90000"/>
+              </a:lnSpc>
+              <a:spcBef>
+                <a:spcPts val="500"/>
+              </a:spcBef>
+              <a:buFont typeface="Arial" panose="020B0604020202020204" pitchFamily="34" charset="0"/>
+              <a:buChar char="•"/>
+              <a:defRPr sz="2000" kern="1200">
+                <a:solidFill>
+                  <a:schemeClr val="tx1"/>
+                </a:solidFill>
+                <a:latin typeface="黑体" panose="02010609060101010101" pitchFamily="49" charset="-122"/>
+                <a:ea typeface="黑体" panose="02010609060101010101" pitchFamily="49" charset="-122"/>
+                <a:cs typeface="+mn-cs"/>
+              </a:defRPr>
+            </a:lvl3pPr>
+            <a:lvl4pPr marL="1600200" indent="-228600" algn="l" defTabSz="914400" rtl="0" eaLnBrk="1" latinLnBrk="0" hangingPunct="1">
+              <a:lnSpc>
+                <a:spcPct val="90000"/>
+              </a:lnSpc>
+              <a:spcBef>
+                <a:spcPts val="500"/>
+              </a:spcBef>
+              <a:buFont typeface="Arial" panose="020B0604020202020204" pitchFamily="34" charset="0"/>
+              <a:buChar char="•"/>
+              <a:defRPr sz="1800" kern="1200">
+                <a:solidFill>
+                  <a:schemeClr val="tx1"/>
+                </a:solidFill>
+                <a:latin typeface="黑体" panose="02010609060101010101" pitchFamily="49" charset="-122"/>
+                <a:ea typeface="黑体" panose="02010609060101010101" pitchFamily="49" charset="-122"/>
+                <a:cs typeface="+mn-cs"/>
+              </a:defRPr>
+            </a:lvl4pPr>
+            <a:lvl5pPr marL="2057400" indent="-228600" algn="l" defTabSz="914400" rtl="0" eaLnBrk="1" latinLnBrk="0" hangingPunct="1">
+              <a:lnSpc>
+                <a:spcPct val="90000"/>
+              </a:lnSpc>
+              <a:spcBef>
+                <a:spcPts val="500"/>
+              </a:spcBef>
+              <a:buFont typeface="Arial" panose="020B0604020202020204" pitchFamily="34" charset="0"/>
+              <a:buChar char="•"/>
+              <a:defRPr sz="1800" kern="1200">
+                <a:solidFill>
+                  <a:schemeClr val="tx1"/>
+                </a:solidFill>
+                <a:latin typeface="黑体" panose="02010609060101010101" pitchFamily="49" charset="-122"/>
+                <a:ea typeface="黑体" panose="02010609060101010101" pitchFamily="49" charset="-122"/>
+                <a:cs typeface="+mn-cs"/>
+              </a:defRPr>
+            </a:lvl5pPr>
+            <a:lvl6pPr marL="2514600" indent="-228600" algn="l" defTabSz="914400" rtl="0" eaLnBrk="1" latinLnBrk="0" hangingPunct="1">
+              <a:lnSpc>
+                <a:spcPct val="90000"/>
+              </a:lnSpc>
+              <a:spcBef>
+                <a:spcPts val="500"/>
+              </a:spcBef>
+              <a:buFont typeface="Arial" panose="020B0604020202020204" pitchFamily="34" charset="0"/>
+              <a:buChar char="•"/>
+              <a:defRPr sz="1800" kern="1200">
+                <a:solidFill>
+                  <a:schemeClr val="tx1"/>
+                </a:solidFill>
+                <a:latin typeface="+mn-lt"/>
+                <a:ea typeface="+mn-ea"/>
+                <a:cs typeface="+mn-cs"/>
+              </a:defRPr>
+            </a:lvl6pPr>
+            <a:lvl7pPr marL="2971800" indent="-228600" algn="l" defTabSz="914400" rtl="0" eaLnBrk="1" latinLnBrk="0" hangingPunct="1">
+              <a:lnSpc>
+                <a:spcPct val="90000"/>
+              </a:lnSpc>
+              <a:spcBef>
+                <a:spcPts val="500"/>
+              </a:spcBef>
+              <a:buFont typeface="Arial" panose="020B0604020202020204" pitchFamily="34" charset="0"/>
+              <a:buChar char="•"/>
+              <a:defRPr sz="1800" kern="1200">
+                <a:solidFill>
+                  <a:schemeClr val="tx1"/>
+                </a:solidFill>
+                <a:latin typeface="+mn-lt"/>
+                <a:ea typeface="+mn-ea"/>
+                <a:cs typeface="+mn-cs"/>
+              </a:defRPr>
+            </a:lvl7pPr>
+            <a:lvl8pPr marL="3429000" indent="-228600" algn="l" defTabSz="914400" rtl="0" eaLnBrk="1" latinLnBrk="0" hangingPunct="1">
+              <a:lnSpc>
+                <a:spcPct val="90000"/>
+              </a:lnSpc>
+              <a:spcBef>
+                <a:spcPts val="500"/>
+              </a:spcBef>
+              <a:buFont typeface="Arial" panose="020B0604020202020204" pitchFamily="34" charset="0"/>
+              <a:buChar char="•"/>
+              <a:defRPr sz="1800" kern="1200">
+                <a:solidFill>
+                  <a:schemeClr val="tx1"/>
+                </a:solidFill>
+                <a:latin typeface="+mn-lt"/>
+                <a:ea typeface="+mn-ea"/>
+                <a:cs typeface="+mn-cs"/>
+              </a:defRPr>
+            </a:lvl8pPr>
+            <a:lvl9pPr marL="3886200" indent="-228600" algn="l" defTabSz="914400" rtl="0" eaLnBrk="1" latinLnBrk="0" hangingPunct="1">
+              <a:lnSpc>
+                <a:spcPct val="90000"/>
+              </a:lnSpc>
+              <a:spcBef>
+                <a:spcPts val="500"/>
+              </a:spcBef>
+              <a:buFont typeface="Arial" panose="020B0604020202020204" pitchFamily="34" charset="0"/>
+              <a:buChar char="•"/>
+              <a:defRPr sz="1800" kern="1200">
+                <a:solidFill>
+                  <a:schemeClr val="tx1"/>
+                </a:solidFill>
+                <a:latin typeface="+mn-lt"/>
+                <a:ea typeface="+mn-ea"/>
+                <a:cs typeface="+mn-cs"/>
+              </a:defRPr>
+            </a:lvl9pPr>
+          </a:lstStyle>
+          <a:p>
+            <a:pPr marL="457200" lvl="1" indent="0">
+              <a:buNone/>
+            </a:pPr>
+            <a:r>
+              <a:rPr lang="en-US" altLang="zh-CN" sz="2800" dirty="0">
+                <a:latin typeface="微软雅黑" panose="020B0503020204020204" pitchFamily="34" charset="-122"/>
+                <a:ea typeface="微软雅黑" panose="020B0503020204020204" pitchFamily="34" charset="-122"/>
+              </a:rPr>
+              <a:t>* Inter-chip data</a:t>
+            </a:r>
+          </a:p>
+          <a:p>
+            <a:pPr marL="457200" lvl="1" indent="0">
+              <a:buNone/>
+            </a:pPr>
+            <a:r>
+              <a:rPr lang="en-US" altLang="zh-CN" sz="2200" dirty="0">
+                <a:latin typeface="Cambria Math" panose="02040503050406030204" pitchFamily="18" charset="0"/>
+              </a:rPr>
+              <a:t>Delay(/cycle</a:t>
+            </a:r>
+            <a:r>
+              <a:rPr lang="en-US" altLang="zh-CN" sz="2200" dirty="0" smtClean="0">
+                <a:latin typeface="Cambria Math" panose="02040503050406030204" pitchFamily="18" charset="0"/>
+              </a:rPr>
+              <a:t>)</a:t>
+            </a:r>
+            <a:endParaRPr lang="en-US" altLang="zh-CN" sz="2200" dirty="0">
+              <a:latin typeface="Cambria Math" panose="02040503050406030204" pitchFamily="18" charset="0"/>
+            </a:endParaRPr>
+          </a:p>
+          <a:p>
+            <a:pPr lvl="1"/>
+            <a:r>
+              <a:rPr lang="zh-CN" altLang="en-US" sz="1800" dirty="0" smtClean="0">
+                <a:latin typeface="Cambria Math" panose="02040503050406030204" pitchFamily="18" charset="0"/>
+              </a:rPr>
+              <a:t>打包</a:t>
+            </a:r>
+            <a:r>
+              <a:rPr lang="en-US" altLang="zh-CN" sz="1800" dirty="0" smtClean="0">
+                <a:latin typeface="Cambria Math" panose="02040503050406030204" pitchFamily="18" charset="0"/>
+              </a:rPr>
+              <a:t>/</a:t>
+            </a:r>
+            <a:r>
+              <a:rPr lang="zh-CN" altLang="en-US" sz="1800" dirty="0" smtClean="0">
+                <a:latin typeface="Cambria Math" panose="02040503050406030204" pitchFamily="18" charset="0"/>
+              </a:rPr>
+              <a:t>解包</a:t>
+            </a:r>
+            <a:endParaRPr lang="en-US" altLang="zh-CN" sz="1800" dirty="0" smtClean="0">
+              <a:latin typeface="Cambria Math" panose="02040503050406030204" pitchFamily="18" charset="0"/>
+            </a:endParaRPr>
+          </a:p>
+          <a:p>
+            <a:pPr lvl="1"/>
+            <a:r>
+              <a:rPr lang="en-US" altLang="zh-CN" sz="1800" dirty="0" smtClean="0">
+                <a:latin typeface="Cambria Math" panose="02040503050406030204" pitchFamily="18" charset="0"/>
+              </a:rPr>
+              <a:t>Latency of network interface</a:t>
+            </a:r>
+          </a:p>
+          <a:p>
+            <a:pPr lvl="1"/>
+            <a:r>
+              <a:rPr lang="en-US" altLang="zh-CN" sz="1800" dirty="0" smtClean="0">
+                <a:latin typeface="Cambria Math" panose="02040503050406030204" pitchFamily="18" charset="0"/>
+              </a:rPr>
+              <a:t>50ns</a:t>
+            </a:r>
+          </a:p>
+          <a:p>
+            <a:pPr marL="457200" lvl="1" indent="0">
+              <a:buNone/>
+            </a:pPr>
+            <a:endParaRPr lang="en-US" altLang="zh-CN" sz="2200" dirty="0">
+              <a:latin typeface="Cambria Math" panose="02040503050406030204" pitchFamily="18" charset="0"/>
+            </a:endParaRPr>
+          </a:p>
+          <a:p>
+            <a:pPr marL="457200" lvl="1" indent="0">
+              <a:buFont typeface="Arial" panose="020B0604020202020204" pitchFamily="34" charset="0"/>
+              <a:buNone/>
+            </a:pPr>
+            <a:endParaRPr lang="en-US" altLang="zh-CN" sz="2200" i="1" dirty="0" smtClean="0">
+              <a:latin typeface="Cambria Math" panose="02040503050406030204" pitchFamily="18" charset="0"/>
+            </a:endParaRPr>
+          </a:p>
+          <a:p>
+            <a:pPr marL="457200" lvl="1" indent="0">
+              <a:buFont typeface="Arial" panose="020B0604020202020204" pitchFamily="34" charset="0"/>
+              <a:buNone/>
+            </a:pPr>
+            <a:endParaRPr lang="en-US" altLang="zh-CN" sz="2200" i="1" dirty="0">
+              <a:latin typeface="Cambria Math" panose="02040503050406030204" pitchFamily="18" charset="0"/>
+            </a:endParaRPr>
+          </a:p>
+        </p:txBody>
+      </p:sp>
+      <p:pic>
+        <p:nvPicPr>
+          <p:cNvPr id="12" name="图片 11" descr="31393938393834313b31393939353234333bcbaed6e9d0ce"/>
+          <p:cNvPicPr>
+            <a:picLocks noChangeAspect="1"/>
+          </p:cNvPicPr>
+          <p:nvPr/>
+        </p:nvPicPr>
+        <p:blipFill>
+          <a:blip r:embed="rId3">
+            <a:extLst>
+              <a:ext uri="{96DAC541-7B7A-43D3-8B79-37D633B846F1}">
+                <asvg:svgBlip xmlns:asvg="http://schemas.microsoft.com/office/drawing/2016/SVG/main" xmlns="" r:embed="rId5"/>
+              </a:ext>
+            </a:extLst>
+          </a:blip>
+          <a:stretch>
+            <a:fillRect/>
+          </a:stretch>
+        </p:blipFill>
+        <p:spPr>
+          <a:xfrm flipH="1">
+            <a:off x="907234" y="1533456"/>
+            <a:ext cx="243205" cy="243205"/>
+          </a:xfrm>
+          <a:prstGeom prst="rect">
+            <a:avLst/>
+          </a:prstGeom>
+        </p:spPr>
+      </p:pic>
+      <p:sp>
+        <p:nvSpPr>
+          <p:cNvPr id="15" name="文本框 14"/>
+          <p:cNvSpPr txBox="1"/>
+          <p:nvPr/>
+        </p:nvSpPr>
+        <p:spPr>
+          <a:xfrm>
+            <a:off x="1438972" y="4783641"/>
+            <a:ext cx="9521744" cy="646331"/>
+          </a:xfrm>
+          <a:prstGeom prst="rect">
+            <a:avLst/>
+          </a:prstGeom>
+          <a:noFill/>
+        </p:spPr>
+        <p:txBody>
+          <a:bodyPr wrap="square" rtlCol="0">
+            <a:spAutoFit/>
+          </a:bodyPr>
+          <a:lstStyle/>
+          <a:p>
+            <a:r>
+              <a:rPr lang="en-US" altLang="zh-CN" dirty="0" smtClean="0"/>
+              <a:t>Fig. </a:t>
+            </a:r>
+            <a:r>
+              <a:rPr lang="en-US" altLang="zh-CN" dirty="0"/>
+              <a:t>One-way network latency breakdown for packets of various sizes when using a </a:t>
+            </a:r>
+            <a:r>
+              <a:rPr lang="en-US" altLang="zh-CN" dirty="0" err="1"/>
+              <a:t>PCIe</a:t>
+            </a:r>
+            <a:r>
+              <a:rPr lang="en-US" altLang="zh-CN" dirty="0"/>
+              <a:t> NIC (left), an integrated NIC (middle), and </a:t>
+            </a:r>
+            <a:r>
+              <a:rPr lang="en-US" altLang="zh-CN" dirty="0" err="1"/>
+              <a:t>NetDIMM</a:t>
+            </a:r>
+            <a:r>
+              <a:rPr lang="en-US" altLang="zh-CN" dirty="0"/>
+              <a:t> (left)</a:t>
+            </a:r>
+            <a:endParaRPr lang="zh-CN" altLang="en-US" dirty="0"/>
+          </a:p>
+        </p:txBody>
+      </p:sp>
+      <p:sp>
+        <p:nvSpPr>
+          <p:cNvPr id="13" name="文本框 12"/>
+          <p:cNvSpPr txBox="1"/>
+          <p:nvPr/>
+        </p:nvSpPr>
+        <p:spPr>
+          <a:xfrm>
+            <a:off x="6137033" y="2343029"/>
+            <a:ext cx="5182109" cy="369332"/>
+          </a:xfrm>
+          <a:prstGeom prst="rect">
+            <a:avLst/>
+          </a:prstGeom>
+          <a:noFill/>
+        </p:spPr>
+        <p:txBody>
+          <a:bodyPr wrap="square" rtlCol="0">
+            <a:spAutoFit/>
+          </a:bodyPr>
+          <a:lstStyle/>
+          <a:p>
+            <a:r>
+              <a:rPr lang="en-US" altLang="zh-CN" dirty="0" smtClean="0"/>
+              <a:t>Fig. power &amp; latency of 2 types of NI</a:t>
+            </a:r>
+            <a:endParaRPr lang="zh-CN" altLang="en-US" dirty="0"/>
+          </a:p>
+        </p:txBody>
+      </p:sp>
+      <p:pic>
+        <p:nvPicPr>
+          <p:cNvPr id="3" name="图片 2"/>
+          <p:cNvPicPr>
+            <a:picLocks noChangeAspect="1"/>
+          </p:cNvPicPr>
+          <p:nvPr/>
+        </p:nvPicPr>
+        <p:blipFill>
+          <a:blip r:embed="rId6"/>
+          <a:stretch>
+            <a:fillRect/>
+          </a:stretch>
+        </p:blipFill>
+        <p:spPr>
+          <a:xfrm>
+            <a:off x="7581624" y="911184"/>
+            <a:ext cx="4256324" cy="1404796"/>
+          </a:xfrm>
+          <a:prstGeom prst="rect">
+            <a:avLst/>
+          </a:prstGeom>
+        </p:spPr>
+      </p:pic>
+      <p:pic>
+        <p:nvPicPr>
+          <p:cNvPr id="4" name="图片 3"/>
+          <p:cNvPicPr>
+            <a:picLocks noChangeAspect="1"/>
+          </p:cNvPicPr>
+          <p:nvPr/>
+        </p:nvPicPr>
+        <p:blipFill>
+          <a:blip r:embed="rId7"/>
+          <a:stretch>
+            <a:fillRect/>
+          </a:stretch>
+        </p:blipFill>
+        <p:spPr>
+          <a:xfrm>
+            <a:off x="4812777" y="875099"/>
+            <a:ext cx="2449987" cy="1559917"/>
+          </a:xfrm>
+          <a:prstGeom prst="rect">
+            <a:avLst/>
+          </a:prstGeom>
+        </p:spPr>
+      </p:pic>
+      <p:pic>
+        <p:nvPicPr>
+          <p:cNvPr id="7" name="图片 6"/>
+          <p:cNvPicPr>
+            <a:picLocks noChangeAspect="1"/>
+          </p:cNvPicPr>
+          <p:nvPr/>
+        </p:nvPicPr>
+        <p:blipFill rotWithShape="1">
+          <a:blip r:embed="rId8"/>
+          <a:srcRect t="8008" b="24389"/>
+          <a:stretch/>
+        </p:blipFill>
+        <p:spPr>
+          <a:xfrm>
+            <a:off x="1150439" y="2907256"/>
+            <a:ext cx="9845893" cy="1828801"/>
+          </a:xfrm>
+          <a:prstGeom prst="rect">
+            <a:avLst/>
+          </a:prstGeom>
+        </p:spPr>
+      </p:pic>
+      <p:sp>
+        <p:nvSpPr>
+          <p:cNvPr id="9" name="矩形 8"/>
+          <p:cNvSpPr/>
+          <p:nvPr/>
+        </p:nvSpPr>
+        <p:spPr>
+          <a:xfrm>
+            <a:off x="702828" y="5655475"/>
+            <a:ext cx="10390622" cy="830997"/>
+          </a:xfrm>
+          <a:prstGeom prst="rect">
+            <a:avLst/>
+          </a:prstGeom>
+        </p:spPr>
+        <p:txBody>
+          <a:bodyPr wrap="square">
+            <a:spAutoFit/>
+          </a:bodyPr>
+          <a:lstStyle/>
+          <a:p>
+            <a:r>
+              <a:rPr lang="en-US" altLang="zh-CN" sz="1200" dirty="0" smtClean="0">
+                <a:latin typeface="+mj-lt"/>
+              </a:rPr>
+              <a:t>[1] Mohammad </a:t>
+            </a:r>
+            <a:r>
+              <a:rPr lang="en-US" altLang="zh-CN" sz="1200" dirty="0" err="1">
+                <a:latin typeface="+mj-lt"/>
+              </a:rPr>
+              <a:t>Alian</a:t>
+            </a:r>
+            <a:r>
+              <a:rPr lang="en-US" altLang="zh-CN" sz="1200" dirty="0">
+                <a:latin typeface="+mj-lt"/>
+              </a:rPr>
+              <a:t> and Nam Sung Kim. 2019. </a:t>
+            </a:r>
+            <a:r>
+              <a:rPr lang="en-US" altLang="zh-CN" sz="1200" dirty="0" err="1">
+                <a:latin typeface="+mj-lt"/>
+              </a:rPr>
+              <a:t>NetDIMM</a:t>
+            </a:r>
+            <a:r>
+              <a:rPr lang="en-US" altLang="zh-CN" sz="1200" dirty="0">
+                <a:latin typeface="+mj-lt"/>
+              </a:rPr>
+              <a:t>: Low-Latency Near-Memory Network Interface Architecture. In Proceedings of the 52nd Annual IEEE/ACM International Symposium on Microarchitecture (MICRO '52). Association for Computing Machinery, New York, NY, USA, 699–711. </a:t>
+            </a:r>
+            <a:endParaRPr lang="en-US" altLang="zh-CN" sz="1200" dirty="0" smtClean="0">
+              <a:latin typeface="+mj-lt"/>
+            </a:endParaRPr>
+          </a:p>
+          <a:p>
+            <a:r>
+              <a:rPr lang="en-US" altLang="zh-CN" sz="1200" dirty="0" smtClean="0">
+                <a:latin typeface="+mj-lt"/>
+              </a:rPr>
+              <a:t>[2] B</a:t>
+            </a:r>
+            <a:r>
+              <a:rPr lang="en-US" altLang="zh-CN" sz="1200" dirty="0">
+                <a:latin typeface="+mj-lt"/>
+              </a:rPr>
+              <a:t>. </a:t>
+            </a:r>
+            <a:r>
+              <a:rPr lang="en-US" altLang="zh-CN" sz="1200" dirty="0" err="1">
+                <a:latin typeface="+mj-lt"/>
+              </a:rPr>
+              <a:t>Attia</a:t>
+            </a:r>
+            <a:r>
+              <a:rPr lang="en-US" altLang="zh-CN" sz="1200" dirty="0">
+                <a:latin typeface="+mj-lt"/>
+              </a:rPr>
+              <a:t>, W. </a:t>
+            </a:r>
+            <a:r>
+              <a:rPr lang="en-US" altLang="zh-CN" sz="1200" dirty="0" err="1">
+                <a:latin typeface="+mj-lt"/>
+              </a:rPr>
+              <a:t>Chouchene</a:t>
+            </a:r>
+            <a:r>
+              <a:rPr lang="en-US" altLang="zh-CN" sz="1200" dirty="0">
+                <a:latin typeface="+mj-lt"/>
+              </a:rPr>
+              <a:t>, A. </a:t>
+            </a:r>
+            <a:r>
+              <a:rPr lang="en-US" altLang="zh-CN" sz="1200" dirty="0" err="1">
+                <a:latin typeface="+mj-lt"/>
+              </a:rPr>
+              <a:t>Zitouni</a:t>
+            </a:r>
+            <a:r>
+              <a:rPr lang="en-US" altLang="zh-CN" sz="1200" dirty="0">
+                <a:latin typeface="+mj-lt"/>
+              </a:rPr>
+              <a:t>, A. </a:t>
+            </a:r>
+            <a:r>
+              <a:rPr lang="en-US" altLang="zh-CN" sz="1200" dirty="0" err="1">
+                <a:latin typeface="+mj-lt"/>
+              </a:rPr>
+              <a:t>Nourdin</a:t>
+            </a:r>
+            <a:r>
+              <a:rPr lang="en-US" altLang="zh-CN" sz="1200" dirty="0">
+                <a:latin typeface="+mj-lt"/>
+              </a:rPr>
+              <a:t> and R. </a:t>
+            </a:r>
+            <a:r>
+              <a:rPr lang="en-US" altLang="zh-CN" sz="1200" dirty="0" err="1">
+                <a:latin typeface="+mj-lt"/>
+              </a:rPr>
+              <a:t>Tourki</a:t>
+            </a:r>
+            <a:r>
+              <a:rPr lang="en-US" altLang="zh-CN" sz="1200" dirty="0">
+                <a:latin typeface="+mj-lt"/>
+              </a:rPr>
+              <a:t>, "Design and implementation of low latency network interface for network on chip," 2010 5th International Design and Test Workshop, 2010, pp. 37-42, </a:t>
+            </a:r>
+            <a:r>
+              <a:rPr lang="en-US" altLang="zh-CN" sz="1200" dirty="0" err="1">
+                <a:latin typeface="+mj-lt"/>
+              </a:rPr>
+              <a:t>doi</a:t>
+            </a:r>
+            <a:r>
+              <a:rPr lang="en-US" altLang="zh-CN" sz="1200" dirty="0">
+                <a:latin typeface="+mj-lt"/>
+              </a:rPr>
+              <a:t>: 10.1109/IDT.2010.5724404.</a:t>
+            </a:r>
+            <a:endParaRPr lang="zh-CN" altLang="en-US" sz="1200" dirty="0">
+              <a:latin typeface="+mj-lt"/>
+            </a:endParaRPr>
+          </a:p>
+        </p:txBody>
+      </p:sp>
+    </p:spTree>
+    <p:extLst>
+      <p:ext uri="{BB962C8B-B14F-4D97-AF65-F5344CB8AC3E}">
+        <p14:creationId xmlns:p14="http://schemas.microsoft.com/office/powerpoint/2010/main" val="4134719443"/>
+      </p:ext>
+    </p:extLst>
+  </p:cSld>
+  <p:clrMapOvr>
+    <a:masterClrMapping/>
+  </p:clrMapOvr>
+  <mc:AlternateContent xmlns:mc="http://schemas.openxmlformats.org/markup-compatibility/2006" xmlns:p14="http://schemas.microsoft.com/office/powerpoint/2010/main">
+    <mc:Choice Requires="p14">
+      <p:transition spd="slow" p14:dur="2000" advTm="3640"/>
+    </mc:Choice>
+    <mc:Fallback xmlns="">
+      <p:transition spd="slow" advTm="3640"/>
+    </mc:Fallback>
+  </mc:AlternateContent>
+  <p:timing>
+    <p:tnLst>
+      <p:par>
+        <p:cTn id="1" dur="indefinite" restart="never" nodeType="tmRoot"/>
+      </p:par>
+    </p:tnLst>
+  </p:timing>
+</p:sld>
+</file>
+
+<file path=ppt/slides/slide21.xml><?xml version="1.0" encoding="utf-8"?>
+<p:sld xmlns:a="http://schemas.openxmlformats.org/drawingml/2006/main" xmlns:r="http://schemas.openxmlformats.org/officeDocument/2006/relationships" xmlns:p="http://schemas.openxmlformats.org/presentationml/2006/main">
+  <p:cSld>
+    <p:spTree>
+      <p:nvGrpSpPr>
+        <p:cNvPr id="1" name=""/>
+        <p:cNvGrpSpPr/>
+        <p:nvPr/>
+      </p:nvGrpSpPr>
+      <p:grpSpPr>
+        <a:xfrm>
+          <a:off x="0" y="0"/>
+          <a:ext cx="0" cy="0"/>
+          <a:chOff x="0" y="0"/>
+          <a:chExt cx="0" cy="0"/>
+        </a:xfrm>
+      </p:grpSpPr>
       <mc:AlternateContent xmlns:mc="http://schemas.openxmlformats.org/markup-compatibility/2006" xmlns:a14="http://schemas.microsoft.com/office/drawing/2010/main">
         <mc:Choice Requires="a14">
           <p:sp>
@@ -26057,7 +27056,7 @@
                     <m:sSub>
                       <m:sSubPr>
                         <m:ctrlPr>
-                          <a:rPr lang="en-US" altLang="zh-CN" sz="2200" i="1">
+                          <a:rPr lang="en-US" altLang="zh-CN" sz="2200" i="1" smtClean="0">
                             <a:latin typeface="Cambria Math" panose="02040503050406030204" pitchFamily="18" charset="0"/>
                           </a:rPr>
                         </m:ctrlPr>
@@ -26322,7 +27321,7 @@
           <a:p>
             <a:fld id="{C102C7BA-A18E-41F7-855F-B9281AA705A6}" type="slidenum">
               <a:rPr lang="zh-CN" altLang="en-US" smtClean="0"/>
-              <a:t>20</a:t>
+              <a:t>21</a:t>
             </a:fld>
             <a:endParaRPr lang="zh-CN" altLang="en-US" dirty="0"/>
           </a:p>
@@ -26340,7 +27339,7 @@
           <a:blip r:embed="rId4">
             <a:extLst>
               <a:ext uri="{96DAC541-7B7A-43D3-8B79-37D633B846F1}">
-                <asvg:svgBlip xmlns="" xmlns:asvg="http://schemas.microsoft.com/office/drawing/2016/SVG/main" r:embed="rId5"/>
+                <asvg:svgBlip xmlns:asvg="http://schemas.microsoft.com/office/drawing/2016/SVG/main" xmlns="" r:embed="rId5"/>
               </a:ext>
             </a:extLst>
           </a:blip>
@@ -26370,7 +27369,7 @@
           <a:blip r:embed="rId4">
             <a:extLst>
               <a:ext uri="{96DAC541-7B7A-43D3-8B79-37D633B846F1}">
-                <asvg:svgBlip xmlns="" xmlns:asvg="http://schemas.microsoft.com/office/drawing/2016/SVG/main" r:embed="rId5"/>
+                <asvg:svgBlip xmlns:asvg="http://schemas.microsoft.com/office/drawing/2016/SVG/main" xmlns="" r:embed="rId5"/>
               </a:ext>
             </a:extLst>
           </a:blip>
@@ -26400,7 +27399,7 @@
           <a:blip r:embed="rId4">
             <a:extLst>
               <a:ext uri="{96DAC541-7B7A-43D3-8B79-37D633B846F1}">
-                <asvg:svgBlip xmlns="" xmlns:asvg="http://schemas.microsoft.com/office/drawing/2016/SVG/main" r:embed="rId5"/>
+                <asvg:svgBlip xmlns:asvg="http://schemas.microsoft.com/office/drawing/2016/SVG/main" xmlns="" r:embed="rId5"/>
               </a:ext>
             </a:extLst>
           </a:blip>
@@ -26446,7 +27445,7 @@
 </p:sld>
 </file>
 
-<file path=ppt/slides/slide21.xml><?xml version="1.0" encoding="utf-8"?>
+<file path=ppt/slides/slide22.xml><?xml version="1.0" encoding="utf-8"?>
 <p:sld xmlns:a="http://schemas.openxmlformats.org/drawingml/2006/main" xmlns:r="http://schemas.openxmlformats.org/officeDocument/2006/relationships" xmlns:p="http://schemas.openxmlformats.org/presentationml/2006/main">
   <p:cSld>
     <p:spTree>
@@ -26484,7 +27483,7 @@
             </p:spPr>
             <p:txBody>
               <a:bodyPr vert="horz" lIns="91440" tIns="45720" rIns="91440" bIns="45720" rtlCol="0">
-                <a:normAutofit lnSpcReduction="10000"/>
+                <a:normAutofit fontScale="92500" lnSpcReduction="10000"/>
               </a:bodyPr>
               <a:lstStyle>
                 <a:lvl1pPr marL="228600" indent="-228600" algn="l" defTabSz="914400" rtl="0" eaLnBrk="1" latinLnBrk="0" hangingPunct="1">
@@ -27256,7 +28255,7 @@
                     <a:latin typeface="Cambria Math" panose="02040503050406030204" pitchFamily="18" charset="0"/>
                     <a:cs typeface="Cambria Math" panose="02040503050406030204" pitchFamily="18" charset="0"/>
                   </a:rPr>
-                  <a:t>为计算时间</a:t>
+                  <a:t>为任务计算时间</a:t>
                 </a:r>
                 <a:r>
                   <a:rPr lang="en-US" altLang="zh-CN" dirty="0" smtClean="0">
@@ -27301,6 +28300,41 @@
                         <a:cs typeface="Cambria Math" panose="02040503050406030204" pitchFamily="18" charset="0"/>
                       </a:rPr>
                       <m:t>=</m:t>
+                    </m:r>
+                    <m:sSub>
+                      <m:sSubPr>
+                        <m:ctrlPr>
+                          <a:rPr lang="en-US" altLang="zh-CN" b="0" i="1" smtClean="0">
+                            <a:latin typeface="Cambria Math" panose="02040503050406030204" pitchFamily="18" charset="0"/>
+                            <a:cs typeface="Cambria Math" panose="02040503050406030204" pitchFamily="18" charset="0"/>
+                          </a:rPr>
+                        </m:ctrlPr>
+                      </m:sSubPr>
+                      <m:e>
+                        <m:r>
+                          <a:rPr lang="en-US" altLang="zh-CN" b="0" i="1" smtClean="0">
+                            <a:latin typeface="Cambria Math" panose="02040503050406030204" pitchFamily="18" charset="0"/>
+                            <a:cs typeface="Cambria Math" panose="02040503050406030204" pitchFamily="18" charset="0"/>
+                          </a:rPr>
+                          <m:t>𝑚</m:t>
+                        </m:r>
+                      </m:e>
+                      <m:sub>
+                        <m:r>
+                          <a:rPr lang="en-US" altLang="zh-CN" b="0" i="1" smtClean="0">
+                            <a:latin typeface="Cambria Math" panose="02040503050406030204" pitchFamily="18" charset="0"/>
+                            <a:cs typeface="Cambria Math" panose="02040503050406030204" pitchFamily="18" charset="0"/>
+                          </a:rPr>
+                          <m:t>𝑖</m:t>
+                        </m:r>
+                      </m:sub>
+                    </m:sSub>
+                    <m:r>
+                      <a:rPr lang="en-US" altLang="zh-CN" b="0" i="1" smtClean="0">
+                        <a:latin typeface="Cambria Math" panose="02040503050406030204" pitchFamily="18" charset="0"/>
+                        <a:cs typeface="Cambria Math" panose="02040503050406030204" pitchFamily="18" charset="0"/>
+                      </a:rPr>
+                      <m:t>∗</m:t>
                     </m:r>
                     <m:r>
                       <a:rPr lang="en-US" altLang="zh-CN" i="1" smtClean="0">
@@ -27562,61 +28596,148 @@
                     <m:sSub>
                       <m:sSubPr>
                         <m:ctrlPr>
-                          <a:rPr lang="en-US" altLang="zh-CN" i="1" smtClean="0">
-                            <a:latin typeface="Cambria Math" panose="02040503050406030204" pitchFamily="18" charset="0"/>
-                            <a:cs typeface="Cambria Math" panose="02040503050406030204" pitchFamily="18" charset="0"/>
+                          <a:rPr lang="en-US" altLang="zh-CN" b="0" i="1" dirty="0" smtClean="0">
+                            <a:latin typeface="Cambria Math" panose="02040503050406030204" pitchFamily="18" charset="0"/>
                           </a:rPr>
                         </m:ctrlPr>
                       </m:sSubPr>
                       <m:e>
                         <m:r>
+                          <a:rPr lang="en-US" altLang="zh-CN" b="0" i="1" dirty="0" smtClean="0">
+                            <a:latin typeface="Cambria Math" panose="02040503050406030204" pitchFamily="18" charset="0"/>
+                          </a:rPr>
+                          <m:t>𝑚</m:t>
+                        </m:r>
+                      </m:e>
+                      <m:sub>
+                        <m:r>
+                          <a:rPr lang="en-US" altLang="zh-CN" b="0" i="1" dirty="0" smtClean="0">
+                            <a:latin typeface="Cambria Math" panose="02040503050406030204" pitchFamily="18" charset="0"/>
+                          </a:rPr>
+                          <m:t>𝑖</m:t>
+                        </m:r>
+                      </m:sub>
+                    </m:sSub>
+                    <m:r>
+                      <a:rPr lang="en-US" altLang="zh-CN" b="0" i="1" dirty="0" smtClean="0">
+                        <a:latin typeface="Cambria Math" panose="02040503050406030204" pitchFamily="18" charset="0"/>
+                      </a:rPr>
+                      <m:t>∗</m:t>
+                    </m:r>
+                    <m:sSub>
+                      <m:sSubPr>
+                        <m:ctrlPr>
+                          <a:rPr lang="en-US" altLang="zh-CN" b="0" i="1" dirty="0" smtClean="0">
+                            <a:latin typeface="Cambria Math" panose="02040503050406030204" pitchFamily="18" charset="0"/>
+                          </a:rPr>
+                        </m:ctrlPr>
+                      </m:sSubPr>
+                      <m:e>
+                        <m:r>
+                          <a:rPr lang="en-US" altLang="zh-CN" b="0" i="1" dirty="0" smtClean="0">
+                            <a:latin typeface="Cambria Math" panose="02040503050406030204" pitchFamily="18" charset="0"/>
+                          </a:rPr>
+                          <m:t>𝑚</m:t>
+                        </m:r>
+                      </m:e>
+                      <m:sub>
+                        <m:r>
+                          <a:rPr lang="en-US" altLang="zh-CN" b="0" i="1" dirty="0" smtClean="0">
+                            <a:latin typeface="Cambria Math" panose="02040503050406030204" pitchFamily="18" charset="0"/>
+                          </a:rPr>
+                          <m:t>𝑗</m:t>
+                        </m:r>
+                      </m:sub>
+                    </m:sSub>
+                    <m:r>
+                      <a:rPr lang="en-US" altLang="zh-CN" b="0" i="1" dirty="0" smtClean="0">
+                        <a:latin typeface="Cambria Math" panose="02040503050406030204" pitchFamily="18" charset="0"/>
+                      </a:rPr>
+                      <m:t>∗(</m:t>
+                    </m:r>
+                    <m:sSub>
+                      <m:sSubPr>
+                        <m:ctrlPr>
+                          <a:rPr lang="en-US" altLang="zh-CN" b="0" i="1" dirty="0" smtClean="0">
+                            <a:latin typeface="Cambria Math" panose="02040503050406030204" pitchFamily="18" charset="0"/>
+                          </a:rPr>
+                        </m:ctrlPr>
+                      </m:sSubPr>
+                      <m:e>
+                        <m:r>
+                          <m:rPr>
+                            <m:sty m:val="p"/>
+                          </m:rPr>
+                          <a:rPr lang="en-US" altLang="zh-CN" i="1" dirty="0">
+                            <a:latin typeface="Cambria Math" panose="02040503050406030204" pitchFamily="18" charset="0"/>
+                          </a:rPr>
+                          <m:t>t</m:t>
+                        </m:r>
+                      </m:e>
+                      <m:sub>
+                        <m:r>
+                          <a:rPr lang="en-US" altLang="zh-CN" b="0" i="1" dirty="0" smtClean="0">
+                            <a:latin typeface="Cambria Math" panose="02040503050406030204" pitchFamily="18" charset="0"/>
+                          </a:rPr>
+                          <m:t>0</m:t>
+                        </m:r>
+                      </m:sub>
+                    </m:sSub>
+                    <m:r>
+                      <a:rPr lang="en-US" altLang="zh-CN" b="0" i="1" dirty="0" smtClean="0">
+                        <a:latin typeface="Cambria Math" panose="02040503050406030204" pitchFamily="18" charset="0"/>
+                      </a:rPr>
+                      <m:t>+</m:t>
+                    </m:r>
+                    <m:r>
+                      <a:rPr lang="en-US" altLang="zh-CN" i="1" smtClean="0">
+                        <a:latin typeface="Cambria Math" panose="02040503050406030204" pitchFamily="18" charset="0"/>
+                        <a:cs typeface="Cambria Math" panose="02040503050406030204" pitchFamily="18" charset="0"/>
+                      </a:rPr>
+                      <m:t>𝑉</m:t>
+                    </m:r>
+                    <m:r>
+                      <a:rPr lang="en-US" altLang="zh-CN" b="0" i="1" smtClean="0">
+                        <a:latin typeface="Cambria Math" panose="02040503050406030204" pitchFamily="18" charset="0"/>
+                        <a:cs typeface="Cambria Math" panose="02040503050406030204" pitchFamily="18" charset="0"/>
+                      </a:rPr>
+                      <m:t>∗</m:t>
+                    </m:r>
+                    <m:sSub>
+                      <m:sSubPr>
+                        <m:ctrlPr>
                           <a:rPr lang="en-US" altLang="zh-CN" b="0" i="1" smtClean="0">
                             <a:latin typeface="Cambria Math" panose="02040503050406030204" pitchFamily="18" charset="0"/>
                             <a:cs typeface="Cambria Math" panose="02040503050406030204" pitchFamily="18" charset="0"/>
                           </a:rPr>
-                          <m:t>𝑉</m:t>
-                        </m:r>
+                        </m:ctrlPr>
+                      </m:sSubPr>
+                      <m:e>
                         <m:r>
                           <a:rPr lang="en-US" altLang="zh-CN" b="0" i="1" smtClean="0">
                             <a:latin typeface="Cambria Math" panose="02040503050406030204" pitchFamily="18" charset="0"/>
                             <a:cs typeface="Cambria Math" panose="02040503050406030204" pitchFamily="18" charset="0"/>
                           </a:rPr>
-                          <m:t>∗</m:t>
-                        </m:r>
-                        <m:sSub>
-                          <m:sSubPr>
-                            <m:ctrlPr>
-                              <a:rPr lang="en-US" altLang="zh-CN" b="0" i="1" smtClean="0">
-                                <a:latin typeface="Cambria Math" panose="02040503050406030204" pitchFamily="18" charset="0"/>
-                                <a:cs typeface="Cambria Math" panose="02040503050406030204" pitchFamily="18" charset="0"/>
-                              </a:rPr>
-                            </m:ctrlPr>
-                          </m:sSubPr>
-                          <m:e>
-                            <m:r>
-                              <m:rPr>
-                                <m:sty m:val="p"/>
-                              </m:rPr>
-                              <a:rPr lang="en-US" altLang="zh-CN" i="1">
-                                <a:latin typeface="Cambria Math" panose="02040503050406030204" pitchFamily="18" charset="0"/>
-                                <a:cs typeface="Cambria Math" panose="02040503050406030204" pitchFamily="18" charset="0"/>
-                              </a:rPr>
-                              <m:t>l</m:t>
-                            </m:r>
-                          </m:e>
-                          <m:sub>
-                            <m:r>
-                              <a:rPr lang="en-US" altLang="zh-CN" b="0" i="1" smtClean="0">
-                                <a:latin typeface="Cambria Math" panose="02040503050406030204" pitchFamily="18" charset="0"/>
-                                <a:cs typeface="Cambria Math" panose="02040503050406030204" pitchFamily="18" charset="0"/>
-                              </a:rPr>
-                              <m:t>0</m:t>
-                            </m:r>
-                          </m:sub>
-                        </m:sSub>
+                          <m:t>𝑡</m:t>
+                        </m:r>
                       </m:e>
-                      <m:sub/>
+                      <m:sub>
+                        <m:r>
+                          <a:rPr lang="en-US" altLang="zh-CN" b="0" i="1" smtClean="0">
+                            <a:latin typeface="Cambria Math" panose="02040503050406030204" pitchFamily="18" charset="0"/>
+                            <a:cs typeface="Cambria Math" panose="02040503050406030204" pitchFamily="18" charset="0"/>
+                          </a:rPr>
+                          <m:t>𝑏</m:t>
+                        </m:r>
+                      </m:sub>
                     </m:sSub>
+                    <m:r>
+                      <a:rPr lang="en-US" altLang="zh-CN" b="0" i="1" smtClean="0">
+                        <a:latin typeface="Cambria Math" panose="02040503050406030204" pitchFamily="18" charset="0"/>
+                        <a:cs typeface="Cambria Math" panose="02040503050406030204" pitchFamily="18" charset="0"/>
+                      </a:rPr>
+                      <m:t>)</m:t>
+                    </m:r>
                   </m:oMath>
                 </a14:m>
                 <a:r>
@@ -27624,7 +28745,59 @@
                     <a:latin typeface="Cambria Math" panose="02040503050406030204" pitchFamily="18" charset="0"/>
                     <a:cs typeface="Cambria Math" panose="02040503050406030204" pitchFamily="18" charset="0"/>
                   </a:rPr>
-                  <a:t>,l0</a:t>
+                  <a:t>, </a:t>
+                </a:r>
+              </a:p>
+              <a:p>
+                <a:pPr lvl="2"/>
+                <a:r>
+                  <a:rPr lang="en-US" altLang="zh-CN" dirty="0" smtClean="0">
+                    <a:latin typeface="Cambria Math" panose="02040503050406030204" pitchFamily="18" charset="0"/>
+                    <a:cs typeface="Cambria Math" panose="02040503050406030204" pitchFamily="18" charset="0"/>
+                  </a:rPr>
+                  <a:t>t0</a:t>
+                </a:r>
+                <a:r>
+                  <a:rPr lang="zh-CN" altLang="en-US" dirty="0" smtClean="0">
+                    <a:latin typeface="Cambria Math" panose="02040503050406030204" pitchFamily="18" charset="0"/>
+                    <a:cs typeface="Cambria Math" panose="02040503050406030204" pitchFamily="18" charset="0"/>
+                  </a:rPr>
+                  <a:t>是发送</a:t>
+                </a:r>
+                <a:r>
+                  <a:rPr lang="en-US" altLang="zh-CN" dirty="0" smtClean="0">
+                    <a:latin typeface="Cambria Math" panose="02040503050406030204" pitchFamily="18" charset="0"/>
+                    <a:cs typeface="Cambria Math" panose="02040503050406030204" pitchFamily="18" charset="0"/>
+                  </a:rPr>
+                  <a:t>&amp;</a:t>
+                </a:r>
+                <a:r>
+                  <a:rPr lang="zh-CN" altLang="en-US" dirty="0" smtClean="0">
+                    <a:latin typeface="Cambria Math" panose="02040503050406030204" pitchFamily="18" charset="0"/>
+                    <a:cs typeface="Cambria Math" panose="02040503050406030204" pitchFamily="18" charset="0"/>
+                  </a:rPr>
+                  <a:t>接收时间</a:t>
+                </a:r>
+                <a:r>
+                  <a:rPr lang="en-US" altLang="zh-CN" dirty="0" smtClean="0">
+                    <a:latin typeface="Cambria Math" panose="02040503050406030204" pitchFamily="18" charset="0"/>
+                    <a:cs typeface="Cambria Math" panose="02040503050406030204" pitchFamily="18" charset="0"/>
+                  </a:rPr>
+                  <a:t>+</a:t>
+                </a:r>
+                <a:r>
+                  <a:rPr lang="zh-CN" altLang="en-US" dirty="0" smtClean="0">
+                    <a:latin typeface="Cambria Math" panose="02040503050406030204" pitchFamily="18" charset="0"/>
+                    <a:cs typeface="Cambria Math" panose="02040503050406030204" pitchFamily="18" charset="0"/>
+                  </a:rPr>
+                  <a:t>打包时间，</a:t>
+                </a:r>
+                <a:r>
+                  <a:rPr lang="en-US" altLang="zh-CN" dirty="0" err="1" smtClean="0">
+                    <a:latin typeface="Cambria Math" panose="02040503050406030204" pitchFamily="18" charset="0"/>
+                    <a:cs typeface="Cambria Math" panose="02040503050406030204" pitchFamily="18" charset="0"/>
+                  </a:rPr>
+                  <a:t>tb</a:t>
                 </a:r>
                 <a:r>
                   <a:rPr lang="zh-CN" altLang="en-US" dirty="0" smtClean="0">
@@ -27647,6 +28820,48 @@
                   </a:rPr>
                   <a:t>传输时间</a:t>
                 </a:r>
+                <a:r>
+                  <a:rPr lang="zh-CN" altLang="en-US" dirty="0">
+                    <a:latin typeface="Cambria Math" panose="02040503050406030204" pitchFamily="18" charset="0"/>
+                    <a:cs typeface="Cambria Math" panose="02040503050406030204" pitchFamily="18" charset="0"/>
+                  </a:rPr>
+                  <a:t>，</a:t>
+                </a:r>
+                <a:r>
+                  <a:rPr lang="en-US" altLang="zh-CN" dirty="0" smtClean="0">
+                    <a:latin typeface="Cambria Math" panose="02040503050406030204" pitchFamily="18" charset="0"/>
+                    <a:cs typeface="Cambria Math" panose="02040503050406030204" pitchFamily="18" charset="0"/>
+                  </a:rPr>
+                  <a:t>V</a:t>
+                </a:r>
+                <a:r>
+                  <a:rPr lang="zh-CN" altLang="en-US" dirty="0" smtClean="0">
+                    <a:latin typeface="Cambria Math" panose="02040503050406030204" pitchFamily="18" charset="0"/>
+                    <a:cs typeface="Cambria Math" panose="02040503050406030204" pitchFamily="18" charset="0"/>
+                  </a:rPr>
+                  <a:t>是</a:t>
+                </a:r>
+                <a:r>
+                  <a:rPr lang="en-US" altLang="zh-CN" dirty="0" smtClean="0">
+                    <a:latin typeface="Cambria Math" panose="02040503050406030204" pitchFamily="18" charset="0"/>
+                    <a:cs typeface="Cambria Math" panose="02040503050406030204" pitchFamily="18" charset="0"/>
+                  </a:rPr>
+                  <a:t>data volume(</a:t>
+                </a:r>
+                <a:r>
+                  <a:rPr lang="zh-CN" altLang="en-US" dirty="0" smtClean="0">
+                    <a:latin typeface="Cambria Math" panose="02040503050406030204" pitchFamily="18" charset="0"/>
+                    <a:cs typeface="Cambria Math" panose="02040503050406030204" pitchFamily="18" charset="0"/>
+                  </a:rPr>
+                  <a:t>单位为</a:t>
+                </a:r>
+                <a:r>
+                  <a:rPr lang="en-US" altLang="zh-CN" dirty="0" smtClean="0">
+                    <a:latin typeface="Cambria Math" panose="02040503050406030204" pitchFamily="18" charset="0"/>
+                    <a:cs typeface="Cambria Math" panose="02040503050406030204" pitchFamily="18" charset="0"/>
+                  </a:rPr>
+                  <a:t>bit)</a:t>
+                </a:r>
                 <a:endParaRPr lang="en-US" altLang="zh-CN" dirty="0">
                   <a:latin typeface="Cambria Math" panose="02040503050406030204" pitchFamily="18" charset="0"/>
                   <a:cs typeface="Cambria Math" panose="02040503050406030204" pitchFamily="18" charset="0"/>
@@ -27655,11 +28870,18 @@
               <a:p>
                 <a:pPr lvl="1"/>
                 <a:r>
+                  <a:rPr lang="zh-CN" altLang="en-US" dirty="0" smtClean="0">
+                    <a:latin typeface="Cambria Math" panose="02040503050406030204" pitchFamily="18" charset="0"/>
+                    <a:cs typeface="Cambria Math" panose="02040503050406030204" pitchFamily="18" charset="0"/>
+                  </a:rPr>
+                  <a:t>求</a:t>
+                </a:r>
+                <a:r>
                   <a:rPr lang="zh-CN" altLang="en-US" dirty="0">
                     <a:latin typeface="Cambria Math" panose="02040503050406030204" pitchFamily="18" charset="0"/>
                     <a:cs typeface="Cambria Math" panose="02040503050406030204" pitchFamily="18" charset="0"/>
                   </a:rPr>
-                  <a:t>求最长路，即图</a:t>
+                  <a:t>最长路，即图</a:t>
                 </a:r>
                 <a:r>
                   <a:rPr lang="en-US" altLang="zh-CN" dirty="0">
@@ -28285,7 +29507,7 @@
               <a:blipFill rotWithShape="0">
                 <a:blip r:embed="rId3"/>
                 <a:stretch>
-                  <a:fillRect r="-464"/>
+                  <a:fillRect r="-522"/>
                 </a:stretch>
               </a:blipFill>
             </p:spPr>
@@ -28344,7 +29566,7 @@
           <a:p>
             <a:fld id="{C102C7BA-A18E-41F7-855F-B9281AA705A6}" type="slidenum">
               <a:rPr lang="zh-CN" altLang="en-US" smtClean="0"/>
-              <a:t>21</a:t>
+              <a:t>22</a:t>
             </a:fld>
             <a:endParaRPr lang="zh-CN" altLang="en-US" dirty="0"/>
           </a:p>
@@ -28362,7 +29584,7 @@
           <a:blip r:embed="rId4">
             <a:extLst>
               <a:ext uri="{96DAC541-7B7A-43D3-8B79-37D633B846F1}">
-                <asvg:svgBlip xmlns="" xmlns:asvg="http://schemas.microsoft.com/office/drawing/2016/SVG/main" r:embed="rId5"/>
+                <asvg:svgBlip xmlns:asvg="http://schemas.microsoft.com/office/drawing/2016/SVG/main" xmlns="" r:embed="rId5"/>
               </a:ext>
             </a:extLst>
           </a:blip>
@@ -28392,7 +29614,7 @@
           <a:blip r:embed="rId4">
             <a:extLst>
               <a:ext uri="{96DAC541-7B7A-43D3-8B79-37D633B846F1}">
-                <asvg:svgBlip xmlns="" xmlns:asvg="http://schemas.microsoft.com/office/drawing/2016/SVG/main" r:embed="rId5"/>
+                <asvg:svgBlip xmlns:asvg="http://schemas.microsoft.com/office/drawing/2016/SVG/main" xmlns="" r:embed="rId5"/>
               </a:ext>
             </a:extLst>
           </a:blip>
@@ -28402,7 +29624,7 @@
         </p:blipFill>
         <p:spPr>
           <a:xfrm flipH="1">
-            <a:off x="684297" y="2218289"/>
+            <a:off x="684297" y="2021514"/>
             <a:ext cx="243205" cy="243205"/>
           </a:xfrm>
           <a:prstGeom prst="rect">
@@ -28438,7 +29660,7 @@
 </p:sld>
 </file>
 
-<file path=ppt/slides/slide22.xml><?xml version="1.0" encoding="utf-8"?>
+<file path=ppt/slides/slide23.xml><?xml version="1.0" encoding="utf-8"?>
 <p:sld xmlns:a="http://schemas.openxmlformats.org/drawingml/2006/main" xmlns:r="http://schemas.openxmlformats.org/officeDocument/2006/relationships" xmlns:p="http://schemas.openxmlformats.org/presentationml/2006/main">
   <p:cSld>
     <p:spTree>
@@ -28475,7 +29697,7 @@
 </p:sld>
 </file>
 
-<file path=ppt/slides/slide23.xml><?xml version="1.0" encoding="utf-8"?>
+<file path=ppt/slides/slide24.xml><?xml version="1.0" encoding="utf-8"?>
 <p:sld xmlns:a="http://schemas.openxmlformats.org/drawingml/2006/main" xmlns:r="http://schemas.openxmlformats.org/officeDocument/2006/relationships" xmlns:p="http://schemas.openxmlformats.org/presentationml/2006/main">
   <p:cSld>
     <p:spTree>
@@ -29810,7 +31032,7 @@
           <a:blip r:embed="rId2">
             <a:extLst>
               <a:ext uri="{96DAC541-7B7A-43D3-8B79-37D633B846F1}">
-                <asvg:svgBlip xmlns="" xmlns:asvg="http://schemas.microsoft.com/office/drawing/2016/SVG/main" r:embed="rId3"/>
+                <asvg:svgBlip xmlns:asvg="http://schemas.microsoft.com/office/drawing/2016/SVG/main" xmlns="" r:embed="rId3"/>
               </a:ext>
             </a:extLst>
           </a:blip>
@@ -29840,7 +31062,7 @@
           <a:blip r:embed="rId2">
             <a:extLst>
               <a:ext uri="{96DAC541-7B7A-43D3-8B79-37D633B846F1}">
-                <asvg:svgBlip xmlns="" xmlns:asvg="http://schemas.microsoft.com/office/drawing/2016/SVG/main" r:embed="rId3"/>
+                <asvg:svgBlip xmlns:asvg="http://schemas.microsoft.com/office/drawing/2016/SVG/main" xmlns="" r:embed="rId3"/>
               </a:ext>
             </a:extLst>
           </a:blip>
@@ -29870,7 +31092,7 @@
           <a:blip r:embed="rId2">
             <a:extLst>
               <a:ext uri="{96DAC541-7B7A-43D3-8B79-37D633B846F1}">
-                <asvg:svgBlip xmlns="" xmlns:asvg="http://schemas.microsoft.com/office/drawing/2016/SVG/main" r:embed="rId3"/>
+                <asvg:svgBlip xmlns:asvg="http://schemas.microsoft.com/office/drawing/2016/SVG/main" xmlns="" r:embed="rId3"/>
               </a:ext>
             </a:extLst>
           </a:blip>
@@ -30072,7 +31294,7 @@
           <a:blip r:embed="rId2">
             <a:extLst>
               <a:ext uri="{96DAC541-7B7A-43D3-8B79-37D633B846F1}">
-                <asvg:svgBlip xmlns="" xmlns:asvg="http://schemas.microsoft.com/office/drawing/2016/SVG/main" r:embed="rId3"/>
+                <asvg:svgBlip xmlns:asvg="http://schemas.microsoft.com/office/drawing/2016/SVG/main" xmlns="" r:embed="rId3"/>
               </a:ext>
             </a:extLst>
           </a:blip>
@@ -30102,7 +31324,7 @@
           <a:blip r:embed="rId2">
             <a:extLst>
               <a:ext uri="{96DAC541-7B7A-43D3-8B79-37D633B846F1}">
-                <asvg:svgBlip xmlns="" xmlns:asvg="http://schemas.microsoft.com/office/drawing/2016/SVG/main" r:embed="rId3"/>
+                <asvg:svgBlip xmlns:asvg="http://schemas.microsoft.com/office/drawing/2016/SVG/main" xmlns="" r:embed="rId3"/>
               </a:ext>
             </a:extLst>
           </a:blip>
@@ -31551,7 +32773,7 @@
           <a:blip r:embed="rId3">
             <a:extLst>
               <a:ext uri="{96DAC541-7B7A-43D3-8B79-37D633B846F1}">
-                <asvg:svgBlip xmlns="" xmlns:asvg="http://schemas.microsoft.com/office/drawing/2016/SVG/main" r:embed="rId4"/>
+                <asvg:svgBlip xmlns:asvg="http://schemas.microsoft.com/office/drawing/2016/SVG/main" xmlns="" r:embed="rId4"/>
               </a:ext>
             </a:extLst>
           </a:blip>
@@ -31581,7 +32803,7 @@
           <a:blip r:embed="rId3">
             <a:extLst>
               <a:ext uri="{96DAC541-7B7A-43D3-8B79-37D633B846F1}">
-                <asvg:svgBlip xmlns="" xmlns:asvg="http://schemas.microsoft.com/office/drawing/2016/SVG/main" r:embed="rId4"/>
+                <asvg:svgBlip xmlns:asvg="http://schemas.microsoft.com/office/drawing/2016/SVG/main" xmlns="" r:embed="rId4"/>
               </a:ext>
             </a:extLst>
           </a:blip>
@@ -31611,7 +32833,7 @@
           <a:blip r:embed="rId3">
             <a:extLst>
               <a:ext uri="{96DAC541-7B7A-43D3-8B79-37D633B846F1}">
-                <asvg:svgBlip xmlns="" xmlns:asvg="http://schemas.microsoft.com/office/drawing/2016/SVG/main" r:embed="rId4"/>
+                <asvg:svgBlip xmlns:asvg="http://schemas.microsoft.com/office/drawing/2016/SVG/main" xmlns="" r:embed="rId4"/>
               </a:ext>
             </a:extLst>
           </a:blip>
@@ -31641,7 +32863,7 @@
           <a:blip r:embed="rId3">
             <a:extLst>
               <a:ext uri="{96DAC541-7B7A-43D3-8B79-37D633B846F1}">
-                <asvg:svgBlip xmlns="" xmlns:asvg="http://schemas.microsoft.com/office/drawing/2016/SVG/main" r:embed="rId4"/>
+                <asvg:svgBlip xmlns:asvg="http://schemas.microsoft.com/office/drawing/2016/SVG/main" xmlns="" r:embed="rId4"/>
               </a:ext>
             </a:extLst>
           </a:blip>
@@ -32606,7 +33828,7 @@
           <a:blip r:embed="rId14">
             <a:extLst>
               <a:ext uri="{96DAC541-7B7A-43D3-8B79-37D633B846F1}">
-                <asvg:svgBlip xmlns="" xmlns:asvg="http://schemas.microsoft.com/office/drawing/2016/SVG/main" r:embed="rId15"/>
+                <asvg:svgBlip xmlns:asvg="http://schemas.microsoft.com/office/drawing/2016/SVG/main" xmlns="" r:embed="rId15"/>
               </a:ext>
             </a:extLst>
           </a:blip>
@@ -32636,7 +33858,7 @@
           <a:blip r:embed="rId14">
             <a:extLst>
               <a:ext uri="{96DAC541-7B7A-43D3-8B79-37D633B846F1}">
-                <asvg:svgBlip xmlns="" xmlns:asvg="http://schemas.microsoft.com/office/drawing/2016/SVG/main" r:embed="rId15"/>
+                <asvg:svgBlip xmlns:asvg="http://schemas.microsoft.com/office/drawing/2016/SVG/main" xmlns="" r:embed="rId15"/>
               </a:ext>
             </a:extLst>
           </a:blip>
@@ -32666,7 +33888,7 @@
           <a:blip r:embed="rId14">
             <a:extLst>
               <a:ext uri="{96DAC541-7B7A-43D3-8B79-37D633B846F1}">
-                <asvg:svgBlip xmlns="" xmlns:asvg="http://schemas.microsoft.com/office/drawing/2016/SVG/main" r:embed="rId15"/>
+                <asvg:svgBlip xmlns:asvg="http://schemas.microsoft.com/office/drawing/2016/SVG/main" xmlns="" r:embed="rId15"/>
               </a:ext>
             </a:extLst>
           </a:blip>
@@ -32696,7 +33918,7 @@
           <a:blip r:embed="rId14">
             <a:extLst>
               <a:ext uri="{96DAC541-7B7A-43D3-8B79-37D633B846F1}">
-                <asvg:svgBlip xmlns="" xmlns:asvg="http://schemas.microsoft.com/office/drawing/2016/SVG/main" r:embed="rId15"/>
+                <asvg:svgBlip xmlns:asvg="http://schemas.microsoft.com/office/drawing/2016/SVG/main" xmlns="" r:embed="rId15"/>
               </a:ext>
             </a:extLst>
           </a:blip>
@@ -32726,7 +33948,7 @@
           <a:blip r:embed="rId14">
             <a:extLst>
               <a:ext uri="{96DAC541-7B7A-43D3-8B79-37D633B846F1}">
-                <asvg:svgBlip xmlns="" xmlns:asvg="http://schemas.microsoft.com/office/drawing/2016/SVG/main" r:embed="rId15"/>
+                <asvg:svgBlip xmlns:asvg="http://schemas.microsoft.com/office/drawing/2016/SVG/main" xmlns="" r:embed="rId15"/>
               </a:ext>
             </a:extLst>
           </a:blip>
@@ -33981,21 +35203,21 @@
                 <a:gridCol w="2457688">
                   <a:extLst>
                     <a:ext uri="{9D8B030D-6E8A-4147-A177-3AD203B41FA5}">
-                      <a16:colId xmlns:a16="http://schemas.microsoft.com/office/drawing/2014/main" xmlns="" val="20000"/>
+                      <a16:colId xmlns="" xmlns:a16="http://schemas.microsoft.com/office/drawing/2014/main" val="20000"/>
                     </a:ext>
                   </a:extLst>
                 </a:gridCol>
                 <a:gridCol w="1812758">
                   <a:extLst>
                     <a:ext uri="{9D8B030D-6E8A-4147-A177-3AD203B41FA5}">
-                      <a16:colId xmlns:a16="http://schemas.microsoft.com/office/drawing/2014/main" xmlns="" val="20001"/>
+                      <a16:colId xmlns="" xmlns:a16="http://schemas.microsoft.com/office/drawing/2014/main" val="20001"/>
                     </a:ext>
                   </a:extLst>
                 </a:gridCol>
                 <a:gridCol w="3108158">
                   <a:extLst>
                     <a:ext uri="{9D8B030D-6E8A-4147-A177-3AD203B41FA5}">
-                      <a16:colId xmlns:a16="http://schemas.microsoft.com/office/drawing/2014/main" xmlns="" val="20002"/>
+                      <a16:colId xmlns="" xmlns:a16="http://schemas.microsoft.com/office/drawing/2014/main" val="20002"/>
                     </a:ext>
                   </a:extLst>
                 </a:gridCol>
@@ -34100,7 +35322,7 @@
                 </a:tc>
                 <a:extLst>
                   <a:ext uri="{0D108BD9-81ED-4DB2-BD59-A6C34878D82A}">
-                    <a16:rowId xmlns:a16="http://schemas.microsoft.com/office/drawing/2014/main" xmlns="" val="10000"/>
+                    <a16:rowId xmlns="" xmlns:a16="http://schemas.microsoft.com/office/drawing/2014/main" val="10000"/>
                   </a:ext>
                 </a:extLst>
               </a:tr>
@@ -34198,7 +35420,7 @@
                 </a:tc>
                 <a:extLst>
                   <a:ext uri="{0D108BD9-81ED-4DB2-BD59-A6C34878D82A}">
-                    <a16:rowId xmlns:a16="http://schemas.microsoft.com/office/drawing/2014/main" xmlns="" val="10001"/>
+                    <a16:rowId xmlns="" xmlns:a16="http://schemas.microsoft.com/office/drawing/2014/main" val="10001"/>
                   </a:ext>
                 </a:extLst>
               </a:tr>
@@ -34289,7 +35511,7 @@
                 </a:tc>
                 <a:extLst>
                   <a:ext uri="{0D108BD9-81ED-4DB2-BD59-A6C34878D82A}">
-                    <a16:rowId xmlns:a16="http://schemas.microsoft.com/office/drawing/2014/main" xmlns="" val="10002"/>
+                    <a16:rowId xmlns="" xmlns:a16="http://schemas.microsoft.com/office/drawing/2014/main" val="10002"/>
                   </a:ext>
                 </a:extLst>
               </a:tr>
@@ -34394,7 +35616,7 @@
                 </a:tc>
                 <a:extLst>
                   <a:ext uri="{0D108BD9-81ED-4DB2-BD59-A6C34878D82A}">
-                    <a16:rowId xmlns:a16="http://schemas.microsoft.com/office/drawing/2014/main" xmlns="" val="10003"/>
+                    <a16:rowId xmlns="" xmlns:a16="http://schemas.microsoft.com/office/drawing/2014/main" val="10003"/>
                   </a:ext>
                 </a:extLst>
               </a:tr>
@@ -34485,7 +35707,7 @@
                 </a:tc>
                 <a:extLst>
                   <a:ext uri="{0D108BD9-81ED-4DB2-BD59-A6C34878D82A}">
-                    <a16:rowId xmlns:a16="http://schemas.microsoft.com/office/drawing/2014/main" xmlns="" val="10004"/>
+                    <a16:rowId xmlns="" xmlns:a16="http://schemas.microsoft.com/office/drawing/2014/main" val="10004"/>
                   </a:ext>
                 </a:extLst>
               </a:tr>
@@ -34582,7 +35804,7 @@
           <a:blip r:embed="rId6">
             <a:extLst>
               <a:ext uri="{96DAC541-7B7A-43D3-8B79-37D633B846F1}">
-                <asvg:svgBlip xmlns="" xmlns:asvg="http://schemas.microsoft.com/office/drawing/2016/SVG/main" r:embed="rId7"/>
+                <asvg:svgBlip xmlns:asvg="http://schemas.microsoft.com/office/drawing/2016/SVG/main" xmlns="" r:embed="rId7"/>
               </a:ext>
             </a:extLst>
           </a:blip>
